--- a/Slides/Lecture 3.pptx
+++ b/Slides/Lecture 3.pptx
@@ -5,7 +5,7 @@
     <p:sldMasterId id="2147483648" r:id="rId1"/>
   </p:sldMasterIdLst>
   <p:notesMasterIdLst>
-    <p:notesMasterId r:id="rId59"/>
+    <p:notesMasterId r:id="rId61"/>
   </p:notesMasterIdLst>
   <p:sldIdLst>
     <p:sldId id="256" r:id="rId2"/>
@@ -36,35 +36,37 @@
     <p:sldId id="324" r:id="rId27"/>
     <p:sldId id="326" r:id="rId28"/>
     <p:sldId id="327" r:id="rId29"/>
-    <p:sldId id="328" r:id="rId30"/>
-    <p:sldId id="329" r:id="rId31"/>
-    <p:sldId id="330" r:id="rId32"/>
-    <p:sldId id="331" r:id="rId33"/>
-    <p:sldId id="332" r:id="rId34"/>
-    <p:sldId id="333" r:id="rId35"/>
-    <p:sldId id="358" r:id="rId36"/>
-    <p:sldId id="359" r:id="rId37"/>
-    <p:sldId id="360" r:id="rId38"/>
-    <p:sldId id="334" r:id="rId39"/>
-    <p:sldId id="335" r:id="rId40"/>
-    <p:sldId id="337" r:id="rId41"/>
-    <p:sldId id="336" r:id="rId42"/>
-    <p:sldId id="338" r:id="rId43"/>
-    <p:sldId id="339" r:id="rId44"/>
-    <p:sldId id="340" r:id="rId45"/>
-    <p:sldId id="341" r:id="rId46"/>
-    <p:sldId id="342" r:id="rId47"/>
-    <p:sldId id="343" r:id="rId48"/>
-    <p:sldId id="344" r:id="rId49"/>
-    <p:sldId id="349" r:id="rId50"/>
-    <p:sldId id="350" r:id="rId51"/>
-    <p:sldId id="351" r:id="rId52"/>
-    <p:sldId id="352" r:id="rId53"/>
-    <p:sldId id="353" r:id="rId54"/>
-    <p:sldId id="355" r:id="rId55"/>
-    <p:sldId id="357" r:id="rId56"/>
-    <p:sldId id="356" r:id="rId57"/>
-    <p:sldId id="354" r:id="rId58"/>
+    <p:sldId id="361" r:id="rId30"/>
+    <p:sldId id="362" r:id="rId31"/>
+    <p:sldId id="328" r:id="rId32"/>
+    <p:sldId id="329" r:id="rId33"/>
+    <p:sldId id="330" r:id="rId34"/>
+    <p:sldId id="331" r:id="rId35"/>
+    <p:sldId id="332" r:id="rId36"/>
+    <p:sldId id="333" r:id="rId37"/>
+    <p:sldId id="358" r:id="rId38"/>
+    <p:sldId id="359" r:id="rId39"/>
+    <p:sldId id="360" r:id="rId40"/>
+    <p:sldId id="334" r:id="rId41"/>
+    <p:sldId id="335" r:id="rId42"/>
+    <p:sldId id="337" r:id="rId43"/>
+    <p:sldId id="336" r:id="rId44"/>
+    <p:sldId id="338" r:id="rId45"/>
+    <p:sldId id="339" r:id="rId46"/>
+    <p:sldId id="340" r:id="rId47"/>
+    <p:sldId id="341" r:id="rId48"/>
+    <p:sldId id="342" r:id="rId49"/>
+    <p:sldId id="343" r:id="rId50"/>
+    <p:sldId id="344" r:id="rId51"/>
+    <p:sldId id="349" r:id="rId52"/>
+    <p:sldId id="350" r:id="rId53"/>
+    <p:sldId id="351" r:id="rId54"/>
+    <p:sldId id="352" r:id="rId55"/>
+    <p:sldId id="353" r:id="rId56"/>
+    <p:sldId id="355" r:id="rId57"/>
+    <p:sldId id="357" r:id="rId58"/>
+    <p:sldId id="356" r:id="rId59"/>
+    <p:sldId id="354" r:id="rId60"/>
   </p:sldIdLst>
   <p:sldSz cx="12192000" cy="6858000"/>
   <p:notesSz cx="6858000" cy="9144000"/>
@@ -9270,7 +9272,7 @@
           <p:cNvPr id="2" name="Title 1">
             <a:extLst>
               <a:ext uri="{FF2B5EF4-FFF2-40B4-BE49-F238E27FC236}">
-                <a16:creationId xmlns:a16="http://schemas.microsoft.com/office/drawing/2014/main" id="{D8167EB1-F81E-449C-81B6-A988B1FA7474}"/>
+                <a16:creationId xmlns:a16="http://schemas.microsoft.com/office/drawing/2014/main" id="{69CC9F3A-D66A-4127-823C-1E85F997AAC3}"/>
               </a:ext>
             </a:extLst>
           </p:cNvPr>
@@ -9298,14 +9300,14 @@
           </a:p>
         </p:txBody>
       </p:sp>
-      <mc:AlternateContent xmlns:mc="http://schemas.openxmlformats.org/markup-compatibility/2006" xmlns:a14="http://schemas.microsoft.com/office/drawing/2010/main">
-        <mc:Choice Requires="a14">
+      <mc:AlternateContent xmlns:mc="http://schemas.openxmlformats.org/markup-compatibility/2006">
+        <mc:Choice xmlns:a14="http://schemas.microsoft.com/office/drawing/2010/main" Requires="a14">
           <p:sp>
             <p:nvSpPr>
               <p:cNvPr id="3" name="Content Placeholder 2">
                 <a:extLst>
                   <a:ext uri="{FF2B5EF4-FFF2-40B4-BE49-F238E27FC236}">
-                    <a16:creationId xmlns:a16="http://schemas.microsoft.com/office/drawing/2014/main" id="{A662C8EA-78B0-4C48-B063-CA1E4C656D6B}"/>
+                    <a16:creationId xmlns:a16="http://schemas.microsoft.com/office/drawing/2014/main" id="{291586D3-1F9E-4CA0-ABCE-8ED020AA1078}"/>
                   </a:ext>
                 </a:extLst>
               </p:cNvPr>
@@ -9330,7 +9332,60 @@
                       <a:schemeClr val="accent1"/>
                     </a:solidFill>
                   </a:rPr>
-                  <a:t>When a thread enters </a:t>
+                  <a:t>A spinlock that uses </a:t>
+                </a:r>
+                <a:r>
+                  <a:rPr lang="en-US" b="1" i="1" dirty="0">
+                    <a:solidFill>
+                      <a:srgbClr val="FF0000"/>
+                    </a:solidFill>
+                  </a:rPr>
+                  <a:t>TSL </a:t>
+                </a:r>
+                <a:r>
+                  <a:rPr lang="en-US" dirty="0">
+                    <a:solidFill>
+                      <a:schemeClr val="accent1"/>
+                    </a:solidFill>
+                  </a:rPr>
+                  <a:t>tends to generate </a:t>
+                </a:r>
+                <a:r>
+                  <a:rPr lang="en-US" b="1" i="1" dirty="0">
+                    <a:solidFill>
+                      <a:srgbClr val="FF0000"/>
+                    </a:solidFill>
+                  </a:rPr>
+                  <a:t>high coherence traffic</a:t>
+                </a:r>
+                <a:r>
+                  <a:rPr lang="en-US" i="1" dirty="0">
+                    <a:solidFill>
+                      <a:schemeClr val="accent1"/>
+                    </a:solidFill>
+                  </a:rPr>
+                  <a:t>:</a:t>
+                </a:r>
+              </a:p>
+              <a:p>
+                <a:pPr marL="0" indent="0">
+                  <a:buNone/>
+                </a:pPr>
+                <a:endParaRPr lang="en-US" dirty="0">
+                  <a:solidFill>
+                    <a:schemeClr val="accent1"/>
+                  </a:solidFill>
+                </a:endParaRPr>
+              </a:p>
+              <a:p>
+                <a:pPr lvl="1"/>
+                <a:r>
+                  <a:rPr lang="en-US" dirty="0">
+                    <a:solidFill>
+                      <a:schemeClr val="accent1"/>
+                    </a:solidFill>
+                  </a:rPr>
+                  <a:t>When each thread spins on a lock using TSL, it writes a value of </a:t>
                 </a:r>
                 <a14:m>
                   <m:oMath xmlns:m="http://schemas.openxmlformats.org/officeDocument/2006/math">
@@ -9341,225 +9396,112 @@
                         </a:solidFill>
                         <a:latin typeface="Cambria Math" panose="02040503050406030204" pitchFamily="18" charset="0"/>
                       </a:rPr>
-                      <m:t>𝑒𝑛𝑡𝑒𝑟</m:t>
+                      <m:t>1</m:t>
                     </m:r>
                     <m:r>
                       <a:rPr lang="en-US" b="0" i="1" smtClean="0">
                         <a:solidFill>
-                          <a:schemeClr val="tx1"/>
+                          <a:schemeClr val="accent1"/>
                         </a:solidFill>
                         <a:latin typeface="Cambria Math" panose="02040503050406030204" pitchFamily="18" charset="0"/>
                       </a:rPr>
-                      <m:t>_</m:t>
-                    </m:r>
-                    <m:r>
-                      <a:rPr lang="en-US" b="0" i="1" smtClean="0">
-                        <a:solidFill>
-                          <a:schemeClr val="tx1"/>
-                        </a:solidFill>
-                        <a:latin typeface="Cambria Math" panose="02040503050406030204" pitchFamily="18" charset="0"/>
-                      </a:rPr>
-                      <m:t>𝑟𝑒𝑔𝑖𝑜𝑛</m:t>
+                      <m:t> </m:t>
                     </m:r>
                   </m:oMath>
                 </a14:m>
                 <a:r>
                   <a:rPr lang="en-US" dirty="0">
                     <a:solidFill>
-                      <a:schemeClr val="tx1"/>
-                    </a:solidFill>
-                  </a:rPr>
-                  <a:t> </a:t>
-                </a:r>
-                <a:r>
-                  <a:rPr lang="en-US" dirty="0">
-                    <a:solidFill>
-                      <a:schemeClr val="accent1"/>
-                    </a:solidFill>
-                  </a:rPr>
-                  <a:t>and fails to acquire the lock, it simply waits in a tight loop or “</a:t>
-                </a:r>
-                <a:r>
-                  <a:rPr lang="en-US" b="1" i="1" dirty="0">
-                    <a:solidFill>
-                      <a:srgbClr val="FF0000"/>
-                    </a:solidFill>
-                  </a:rPr>
-                  <a:t>spin</a:t>
-                </a:r>
-                <a:r>
-                  <a:rPr lang="en-US" dirty="0">
-                    <a:solidFill>
-                      <a:schemeClr val="accent1"/>
-                    </a:solidFill>
-                  </a:rPr>
-                  <a:t>” while repeatedly checking if the lock is free.</a:t>
-                </a:r>
-              </a:p>
-              <a:p>
-                <a:pPr lvl="1"/>
-                <a:r>
-                  <a:rPr lang="en-US" dirty="0">
-                    <a:solidFill>
-                      <a:schemeClr val="accent1"/>
-                    </a:solidFill>
-                  </a:rPr>
-                  <a:t>Since the CPU still actively executes instructions but does not perform a useful computation, we refer to this as “</a:t>
-                </a:r>
-                <a:r>
-                  <a:rPr lang="en-US" b="1" i="1" dirty="0">
-                    <a:solidFill>
-                      <a:srgbClr val="FF0000"/>
-                    </a:solidFill>
-                  </a:rPr>
-                  <a:t>busy waiting</a:t>
-                </a:r>
-                <a:r>
-                  <a:rPr lang="en-US" dirty="0">
-                    <a:solidFill>
-                      <a:schemeClr val="accent1"/>
-                    </a:solidFill>
-                  </a:rPr>
-                  <a:t>”.  </a:t>
-                </a:r>
-              </a:p>
-              <a:p>
-                <a:pPr lvl="1"/>
-                <a:r>
-                  <a:rPr lang="en-US" dirty="0">
-                    <a:solidFill>
-                      <a:schemeClr val="accent1"/>
-                    </a:solidFill>
-                  </a:rPr>
-                  <a:t>Use of spinlocks makes no sense in uniprocessor systems.</a:t>
-                </a:r>
-              </a:p>
-              <a:p>
-                <a:pPr lvl="2"/>
-                <a:r>
-                  <a:rPr lang="en-US" dirty="0">
-                    <a:solidFill>
-                      <a:schemeClr val="accent1"/>
-                    </a:solidFill>
-                  </a:rPr>
-                  <a:t>A thread waiting on a lock should immediately </a:t>
-                </a:r>
-                <a:r>
-                  <a:rPr lang="en-US" b="1" i="1" dirty="0">
-                    <a:solidFill>
-                      <a:srgbClr val="FF0000"/>
-                    </a:solidFill>
-                  </a:rPr>
-                  <a:t>yield</a:t>
-                </a:r>
-                <a:r>
-                  <a:rPr lang="en-US" dirty="0">
-                    <a:solidFill>
-                      <a:schemeClr val="accent1"/>
-                    </a:solidFill>
-                  </a:rPr>
-                  <a:t> the CPU so that another thread can run and will release the lock if it is the one currently holding the lock.</a:t>
-                </a:r>
-              </a:p>
-              <a:p>
-                <a:pPr lvl="1"/>
-                <a:r>
-                  <a:rPr lang="en-US" dirty="0">
-                    <a:solidFill>
-                      <a:schemeClr val="accent1"/>
-                    </a:solidFill>
-                  </a:rPr>
-                  <a:t>Generally, we choose to use a spinlock for the following reasons:</a:t>
-                </a:r>
-              </a:p>
-              <a:p>
-                <a:pPr lvl="2"/>
-                <a:r>
-                  <a:rPr lang="en-US" dirty="0">
-                    <a:solidFill>
-                      <a:schemeClr val="accent1"/>
-                    </a:solidFill>
-                  </a:rPr>
-                  <a:t> The </a:t>
-                </a:r>
-                <a:r>
-                  <a:rPr lang="en-US" b="1" i="1" dirty="0">
-                    <a:solidFill>
-                      <a:srgbClr val="FF0000"/>
-                    </a:solidFill>
-                  </a:rPr>
-                  <a:t>critical section </a:t>
-                </a:r>
-                <a:r>
-                  <a:rPr lang="en-US" dirty="0">
-                    <a:solidFill>
-                      <a:schemeClr val="accent1"/>
-                    </a:solidFill>
-                  </a:rPr>
-                  <a:t>is </a:t>
-                </a:r>
-                <a:r>
-                  <a:rPr lang="en-US" b="1" i="1" dirty="0">
-                    <a:solidFill>
-                      <a:srgbClr val="FF0000"/>
-                    </a:solidFill>
-                  </a:rPr>
-                  <a:t>short</a:t>
-                </a:r>
-                <a:r>
-                  <a:rPr lang="en-US" dirty="0">
-                    <a:solidFill>
-                      <a:schemeClr val="accent1"/>
-                    </a:solidFill>
-                  </a:rPr>
-                  <a:t>. </a:t>
-                </a:r>
-              </a:p>
-              <a:p>
-                <a:pPr lvl="2"/>
-                <a:r>
-                  <a:rPr lang="en-US" dirty="0">
-                    <a:solidFill>
-                      <a:schemeClr val="accent1"/>
-                    </a:solidFill>
-                  </a:rPr>
-                  <a:t> There is </a:t>
-                </a:r>
-                <a:r>
-                  <a:rPr lang="en-US" b="1" i="1" dirty="0">
-                    <a:solidFill>
-                      <a:srgbClr val="FF0000"/>
-                    </a:solidFill>
-                  </a:rPr>
-                  <a:t>low contention </a:t>
-                </a:r>
-                <a:r>
-                  <a:rPr lang="en-US" dirty="0">
-                    <a:solidFill>
-                      <a:schemeClr val="accent1"/>
-                    </a:solidFill>
-                  </a:rPr>
-                  <a:t>for the lock locally.</a:t>
-                </a:r>
-              </a:p>
-              <a:p>
-                <a:pPr lvl="2"/>
+                      <a:schemeClr val="accent1"/>
+                    </a:solidFill>
+                  </a:rPr>
+                  <a:t>to the memory location of the lock.</a:t>
+                </a:r>
+              </a:p>
+              <a:p>
+                <a:pPr marL="457200" lvl="1" indent="0">
+                  <a:buNone/>
+                </a:pPr>
                 <a:endParaRPr lang="en-US" dirty="0">
                   <a:solidFill>
                     <a:schemeClr val="accent1"/>
                   </a:solidFill>
                 </a:endParaRPr>
               </a:p>
+              <a:p>
+                <a:pPr lvl="1"/>
+                <a:r>
+                  <a:rPr lang="en-US" dirty="0">
+                    <a:solidFill>
+                      <a:schemeClr val="accent1"/>
+                    </a:solidFill>
+                  </a:rPr>
+                  <a:t>This </a:t>
+                </a:r>
+                <a:r>
+                  <a:rPr lang="en-US" b="1" i="1" dirty="0">
+                    <a:solidFill>
+                      <a:srgbClr val="FF0000"/>
+                    </a:solidFill>
+                  </a:rPr>
+                  <a:t>invalidates</a:t>
+                </a:r>
+                <a:r>
+                  <a:rPr lang="en-US" dirty="0">
+                    <a:solidFill>
+                      <a:schemeClr val="accent1"/>
+                    </a:solidFill>
+                  </a:rPr>
+                  <a:t> the </a:t>
+                </a:r>
+                <a:r>
+                  <a:rPr lang="en-US" b="1" i="1" dirty="0">
+                    <a:solidFill>
+                      <a:srgbClr val="FF0000"/>
+                    </a:solidFill>
+                  </a:rPr>
+                  <a:t>cache line </a:t>
+                </a:r>
+                <a:r>
+                  <a:rPr lang="en-US" dirty="0">
+                    <a:solidFill>
+                      <a:schemeClr val="accent1"/>
+                    </a:solidFill>
+                  </a:rPr>
+                  <a:t>of the lock on other CPU cores.</a:t>
+                </a:r>
+              </a:p>
+              <a:p>
+                <a:pPr marL="457200" lvl="1" indent="0">
+                  <a:buNone/>
+                </a:pPr>
+                <a:endParaRPr lang="en-US" dirty="0">
+                  <a:solidFill>
+                    <a:schemeClr val="accent1"/>
+                  </a:solidFill>
+                </a:endParaRPr>
+              </a:p>
+              <a:p>
+                <a:pPr lvl="1"/>
+                <a:r>
+                  <a:rPr lang="en-US" dirty="0">
+                    <a:solidFill>
+                      <a:schemeClr val="accent1"/>
+                    </a:solidFill>
+                  </a:rPr>
+                  <a:t>Therefore, if multiple threads are simultaneously spinning on the same lock, the cache coherence protocol will generate many invalidation messages. </a:t>
+                </a:r>
+              </a:p>
             </p:txBody>
           </p:sp>
         </mc:Choice>
-        <mc:Fallback xmlns="">
+        <mc:Fallback>
           <p:sp>
             <p:nvSpPr>
               <p:cNvPr id="3" name="Content Placeholder 2">
                 <a:extLst>
                   <a:ext uri="{FF2B5EF4-FFF2-40B4-BE49-F238E27FC236}">
-                    <a16:creationId xmlns:a16="http://schemas.microsoft.com/office/drawing/2014/main" id="{A662C8EA-78B0-4C48-B063-CA1E4C656D6B}"/>
+                    <a16:creationId xmlns:a16="http://schemas.microsoft.com/office/drawing/2014/main" id="{291586D3-1F9E-4CA0-ABCE-8ED020AA1078}"/>
                   </a:ext>
                 </a:extLst>
               </p:cNvPr>
@@ -9596,7 +9538,7 @@
     </p:spTree>
     <p:extLst>
       <p:ext uri="{BB962C8B-B14F-4D97-AF65-F5344CB8AC3E}">
-        <p14:creationId xmlns:p14="http://schemas.microsoft.com/office/powerpoint/2010/main" val="2042647409"/>
+        <p14:creationId xmlns:p14="http://schemas.microsoft.com/office/powerpoint/2010/main" val="964943330"/>
       </p:ext>
     </p:extLst>
   </p:cSld>
@@ -9875,6 +9817,592 @@
           <p:cNvPr id="2" name="Title 1">
             <a:extLst>
               <a:ext uri="{FF2B5EF4-FFF2-40B4-BE49-F238E27FC236}">
+                <a16:creationId xmlns:a16="http://schemas.microsoft.com/office/drawing/2014/main" id="{69CC9F3A-D66A-4127-823C-1E85F997AAC3}"/>
+              </a:ext>
+            </a:extLst>
+          </p:cNvPr>
+          <p:cNvSpPr>
+            <a:spLocks noGrp="1"/>
+          </p:cNvSpPr>
+          <p:nvPr>
+            <p:ph type="title"/>
+          </p:nvPr>
+        </p:nvSpPr>
+        <p:spPr/>
+        <p:txBody>
+          <a:bodyPr/>
+          <a:lstStyle/>
+          <a:p>
+            <a:r>
+              <a:rPr lang="en-US" dirty="0">
+                <a:solidFill>
+                  <a:schemeClr val="accent1"/>
+                </a:solidFill>
+              </a:rPr>
+              <a:t>Mutual Exclusion: Spinlock</a:t>
+            </a:r>
+            <a:endParaRPr lang="en-US" dirty="0"/>
+          </a:p>
+        </p:txBody>
+      </p:sp>
+      <p:sp>
+        <p:nvSpPr>
+          <p:cNvPr id="3" name="Content Placeholder 2">
+            <a:extLst>
+              <a:ext uri="{FF2B5EF4-FFF2-40B4-BE49-F238E27FC236}">
+                <a16:creationId xmlns:a16="http://schemas.microsoft.com/office/drawing/2014/main" id="{291586D3-1F9E-4CA0-ABCE-8ED020AA1078}"/>
+              </a:ext>
+            </a:extLst>
+          </p:cNvPr>
+          <p:cNvSpPr>
+            <a:spLocks noGrp="1"/>
+          </p:cNvSpPr>
+          <p:nvPr>
+            <p:ph idx="1"/>
+          </p:nvPr>
+        </p:nvSpPr>
+        <p:spPr/>
+        <p:txBody>
+          <a:bodyPr/>
+          <a:lstStyle/>
+          <a:p>
+            <a:pPr marL="0" indent="0">
+              <a:buNone/>
+            </a:pPr>
+            <a:r>
+              <a:rPr lang="en-US" dirty="0">
+                <a:solidFill>
+                  <a:schemeClr val="accent1"/>
+                </a:solidFill>
+              </a:rPr>
+              <a:t>This issue can be mitigated by using the </a:t>
+            </a:r>
+            <a:r>
+              <a:rPr lang="en-US" b="1" i="1">
+                <a:solidFill>
+                  <a:srgbClr val="FF0000"/>
+                </a:solidFill>
+              </a:rPr>
+              <a:t>Test-and-Test-and-Set </a:t>
+            </a:r>
+            <a:r>
+              <a:rPr lang="en-US">
+                <a:solidFill>
+                  <a:schemeClr val="accent1"/>
+                </a:solidFill>
+              </a:rPr>
+              <a:t>technique.</a:t>
+            </a:r>
+            <a:endParaRPr lang="en-US" dirty="0">
+              <a:solidFill>
+                <a:schemeClr val="accent1"/>
+              </a:solidFill>
+            </a:endParaRPr>
+          </a:p>
+          <a:p>
+            <a:pPr marL="0" indent="0">
+              <a:buNone/>
+            </a:pPr>
+            <a:endParaRPr lang="en-US" dirty="0">
+              <a:solidFill>
+                <a:schemeClr val="accent1"/>
+              </a:solidFill>
+            </a:endParaRPr>
+          </a:p>
+          <a:p>
+            <a:pPr marL="0" indent="0">
+              <a:buNone/>
+            </a:pPr>
+            <a:r>
+              <a:rPr lang="en-US" dirty="0">
+                <a:solidFill>
+                  <a:schemeClr val="accent1"/>
+                </a:solidFill>
+              </a:rPr>
+              <a:t>This techniques relies on the fact that </a:t>
+            </a:r>
+            <a:r>
+              <a:rPr lang="en-US" b="1" i="1" dirty="0">
+                <a:solidFill>
+                  <a:srgbClr val="FF0000"/>
+                </a:solidFill>
+              </a:rPr>
+              <a:t>reading</a:t>
+            </a:r>
+            <a:r>
+              <a:rPr lang="en-US" dirty="0">
+                <a:solidFill>
+                  <a:schemeClr val="accent1"/>
+                </a:solidFill>
+              </a:rPr>
+              <a:t> does not generate coherence traffic if the lock is cached locally.</a:t>
+            </a:r>
+          </a:p>
+          <a:p>
+            <a:pPr marL="0" indent="0">
+              <a:buNone/>
+            </a:pPr>
+            <a:endParaRPr lang="en-US" dirty="0">
+              <a:solidFill>
+                <a:schemeClr val="accent1"/>
+              </a:solidFill>
+            </a:endParaRPr>
+          </a:p>
+          <a:p>
+            <a:pPr marL="0" indent="0">
+              <a:buNone/>
+            </a:pPr>
+            <a:endParaRPr lang="en-US" dirty="0">
+              <a:solidFill>
+                <a:schemeClr val="accent1"/>
+              </a:solidFill>
+            </a:endParaRPr>
+          </a:p>
+          <a:p>
+            <a:pPr marL="0" indent="0">
+              <a:buNone/>
+            </a:pPr>
+            <a:endParaRPr lang="en-US" dirty="0">
+              <a:solidFill>
+                <a:schemeClr val="accent1"/>
+              </a:solidFill>
+            </a:endParaRPr>
+          </a:p>
+          <a:p>
+            <a:pPr marL="0" indent="0">
+              <a:buNone/>
+            </a:pPr>
+            <a:endParaRPr lang="en-US" dirty="0">
+              <a:solidFill>
+                <a:schemeClr val="accent1"/>
+              </a:solidFill>
+            </a:endParaRPr>
+          </a:p>
+        </p:txBody>
+      </p:sp>
+      <p:pic>
+        <p:nvPicPr>
+          <p:cNvPr id="6" name="Picture 5">
+            <a:extLst>
+              <a:ext uri="{FF2B5EF4-FFF2-40B4-BE49-F238E27FC236}">
+                <a16:creationId xmlns:a16="http://schemas.microsoft.com/office/drawing/2014/main" id="{7A91BE35-B10E-443C-8830-543B75F36622}"/>
+              </a:ext>
+            </a:extLst>
+          </p:cNvPr>
+          <p:cNvPicPr>
+            <a:picLocks noChangeAspect="1"/>
+          </p:cNvPicPr>
+          <p:nvPr/>
+        </p:nvPicPr>
+        <p:blipFill>
+          <a:blip r:embed="rId2"/>
+          <a:stretch>
+            <a:fillRect/>
+          </a:stretch>
+        </p:blipFill>
+        <p:spPr>
+          <a:xfrm>
+            <a:off x="4295776" y="4404071"/>
+            <a:ext cx="3464718" cy="1907829"/>
+          </a:xfrm>
+          <a:prstGeom prst="rect">
+            <a:avLst/>
+          </a:prstGeom>
+        </p:spPr>
+      </p:pic>
+    </p:spTree>
+    <p:extLst>
+      <p:ext uri="{BB962C8B-B14F-4D97-AF65-F5344CB8AC3E}">
+        <p14:creationId xmlns:p14="http://schemas.microsoft.com/office/powerpoint/2010/main" val="2223561824"/>
+      </p:ext>
+    </p:extLst>
+  </p:cSld>
+  <p:clrMapOvr>
+    <a:masterClrMapping/>
+  </p:clrMapOvr>
+</p:sld>
+</file>
+
+<file path=ppt/slides/slide31.xml><?xml version="1.0" encoding="utf-8"?>
+<p:sld xmlns:a="http://schemas.openxmlformats.org/drawingml/2006/main" xmlns:r="http://schemas.openxmlformats.org/officeDocument/2006/relationships" xmlns:p="http://schemas.openxmlformats.org/presentationml/2006/main">
+  <p:cSld>
+    <p:spTree>
+      <p:nvGrpSpPr>
+        <p:cNvPr id="1" name=""/>
+        <p:cNvGrpSpPr/>
+        <p:nvPr/>
+      </p:nvGrpSpPr>
+      <p:grpSpPr>
+        <a:xfrm>
+          <a:off x="0" y="0"/>
+          <a:ext cx="0" cy="0"/>
+          <a:chOff x="0" y="0"/>
+          <a:chExt cx="0" cy="0"/>
+        </a:xfrm>
+      </p:grpSpPr>
+      <p:sp>
+        <p:nvSpPr>
+          <p:cNvPr id="2" name="Title 1">
+            <a:extLst>
+              <a:ext uri="{FF2B5EF4-FFF2-40B4-BE49-F238E27FC236}">
+                <a16:creationId xmlns:a16="http://schemas.microsoft.com/office/drawing/2014/main" id="{D8167EB1-F81E-449C-81B6-A988B1FA7474}"/>
+              </a:ext>
+            </a:extLst>
+          </p:cNvPr>
+          <p:cNvSpPr>
+            <a:spLocks noGrp="1"/>
+          </p:cNvSpPr>
+          <p:nvPr>
+            <p:ph type="title"/>
+          </p:nvPr>
+        </p:nvSpPr>
+        <p:spPr/>
+        <p:txBody>
+          <a:bodyPr/>
+          <a:lstStyle/>
+          <a:p>
+            <a:r>
+              <a:rPr lang="en-US" dirty="0">
+                <a:solidFill>
+                  <a:schemeClr val="accent1"/>
+                </a:solidFill>
+              </a:rPr>
+              <a:t>Mutual Exclusion: Spinlock</a:t>
+            </a:r>
+            <a:endParaRPr lang="en-US" dirty="0"/>
+          </a:p>
+        </p:txBody>
+      </p:sp>
+      <mc:AlternateContent xmlns:mc="http://schemas.openxmlformats.org/markup-compatibility/2006" xmlns:a14="http://schemas.microsoft.com/office/drawing/2010/main">
+        <mc:Choice Requires="a14">
+          <p:sp>
+            <p:nvSpPr>
+              <p:cNvPr id="3" name="Content Placeholder 2">
+                <a:extLst>
+                  <a:ext uri="{FF2B5EF4-FFF2-40B4-BE49-F238E27FC236}">
+                    <a16:creationId xmlns:a16="http://schemas.microsoft.com/office/drawing/2014/main" id="{A662C8EA-78B0-4C48-B063-CA1E4C656D6B}"/>
+                  </a:ext>
+                </a:extLst>
+              </p:cNvPr>
+              <p:cNvSpPr>
+                <a:spLocks noGrp="1"/>
+              </p:cNvSpPr>
+              <p:nvPr>
+                <p:ph idx="1"/>
+              </p:nvPr>
+            </p:nvSpPr>
+            <p:spPr/>
+            <p:txBody>
+              <a:bodyPr/>
+              <a:lstStyle/>
+              <a:p>
+                <a:pPr marL="0" indent="0">
+                  <a:buNone/>
+                </a:pPr>
+                <a:r>
+                  <a:rPr lang="en-US" dirty="0">
+                    <a:solidFill>
+                      <a:schemeClr val="accent1"/>
+                    </a:solidFill>
+                  </a:rPr>
+                  <a:t>When a thread enters </a:t>
+                </a:r>
+                <a14:m>
+                  <m:oMath xmlns:m="http://schemas.openxmlformats.org/officeDocument/2006/math">
+                    <m:r>
+                      <a:rPr lang="en-US" b="0" i="1" smtClean="0">
+                        <a:solidFill>
+                          <a:schemeClr val="tx1"/>
+                        </a:solidFill>
+                        <a:latin typeface="Cambria Math" panose="02040503050406030204" pitchFamily="18" charset="0"/>
+                      </a:rPr>
+                      <m:t>𝑒𝑛𝑡𝑒𝑟</m:t>
+                    </m:r>
+                    <m:r>
+                      <a:rPr lang="en-US" b="0" i="1" smtClean="0">
+                        <a:solidFill>
+                          <a:schemeClr val="tx1"/>
+                        </a:solidFill>
+                        <a:latin typeface="Cambria Math" panose="02040503050406030204" pitchFamily="18" charset="0"/>
+                      </a:rPr>
+                      <m:t>_</m:t>
+                    </m:r>
+                    <m:r>
+                      <a:rPr lang="en-US" b="0" i="1" smtClean="0">
+                        <a:solidFill>
+                          <a:schemeClr val="tx1"/>
+                        </a:solidFill>
+                        <a:latin typeface="Cambria Math" panose="02040503050406030204" pitchFamily="18" charset="0"/>
+                      </a:rPr>
+                      <m:t>𝑟𝑒𝑔𝑖𝑜𝑛</m:t>
+                    </m:r>
+                  </m:oMath>
+                </a14:m>
+                <a:r>
+                  <a:rPr lang="en-US" dirty="0">
+                    <a:solidFill>
+                      <a:schemeClr val="tx1"/>
+                    </a:solidFill>
+                  </a:rPr>
+                  <a:t> </a:t>
+                </a:r>
+                <a:r>
+                  <a:rPr lang="en-US" dirty="0">
+                    <a:solidFill>
+                      <a:schemeClr val="accent1"/>
+                    </a:solidFill>
+                  </a:rPr>
+                  <a:t>and fails to acquire the lock, it simply waits in a tight loop or “</a:t>
+                </a:r>
+                <a:r>
+                  <a:rPr lang="en-US" b="1" i="1" dirty="0">
+                    <a:solidFill>
+                      <a:srgbClr val="FF0000"/>
+                    </a:solidFill>
+                  </a:rPr>
+                  <a:t>spin</a:t>
+                </a:r>
+                <a:r>
+                  <a:rPr lang="en-US" dirty="0">
+                    <a:solidFill>
+                      <a:schemeClr val="accent1"/>
+                    </a:solidFill>
+                  </a:rPr>
+                  <a:t>” while repeatedly checking if the lock is free.</a:t>
+                </a:r>
+              </a:p>
+              <a:p>
+                <a:pPr lvl="1"/>
+                <a:r>
+                  <a:rPr lang="en-US" dirty="0">
+                    <a:solidFill>
+                      <a:schemeClr val="accent1"/>
+                    </a:solidFill>
+                  </a:rPr>
+                  <a:t>Since the CPU still actively executes instructions but does not perform a useful computation, we refer to this as “</a:t>
+                </a:r>
+                <a:r>
+                  <a:rPr lang="en-US" b="1" i="1" dirty="0">
+                    <a:solidFill>
+                      <a:srgbClr val="FF0000"/>
+                    </a:solidFill>
+                  </a:rPr>
+                  <a:t>busy waiting</a:t>
+                </a:r>
+                <a:r>
+                  <a:rPr lang="en-US" dirty="0">
+                    <a:solidFill>
+                      <a:schemeClr val="accent1"/>
+                    </a:solidFill>
+                  </a:rPr>
+                  <a:t>”.  </a:t>
+                </a:r>
+              </a:p>
+              <a:p>
+                <a:pPr lvl="1"/>
+                <a:r>
+                  <a:rPr lang="en-US" dirty="0">
+                    <a:solidFill>
+                      <a:schemeClr val="accent1"/>
+                    </a:solidFill>
+                  </a:rPr>
+                  <a:t>Use of spinlocks makes no sense in uniprocessor systems.</a:t>
+                </a:r>
+              </a:p>
+              <a:p>
+                <a:pPr lvl="2"/>
+                <a:r>
+                  <a:rPr lang="en-US" dirty="0">
+                    <a:solidFill>
+                      <a:schemeClr val="accent1"/>
+                    </a:solidFill>
+                  </a:rPr>
+                  <a:t>A thread waiting on a lock should immediately </a:t>
+                </a:r>
+                <a:r>
+                  <a:rPr lang="en-US" b="1" i="1" dirty="0">
+                    <a:solidFill>
+                      <a:srgbClr val="FF0000"/>
+                    </a:solidFill>
+                  </a:rPr>
+                  <a:t>yield</a:t>
+                </a:r>
+                <a:r>
+                  <a:rPr lang="en-US" dirty="0">
+                    <a:solidFill>
+                      <a:schemeClr val="accent1"/>
+                    </a:solidFill>
+                  </a:rPr>
+                  <a:t> the CPU so that another thread can run and will release the lock if it is the one currently holding the lock.</a:t>
+                </a:r>
+              </a:p>
+              <a:p>
+                <a:pPr lvl="1"/>
+                <a:r>
+                  <a:rPr lang="en-US" dirty="0">
+                    <a:solidFill>
+                      <a:schemeClr val="accent1"/>
+                    </a:solidFill>
+                  </a:rPr>
+                  <a:t>Generally, we choose to use a spinlock for the following reasons:</a:t>
+                </a:r>
+              </a:p>
+              <a:p>
+                <a:pPr lvl="2"/>
+                <a:r>
+                  <a:rPr lang="en-US" dirty="0">
+                    <a:solidFill>
+                      <a:schemeClr val="accent1"/>
+                    </a:solidFill>
+                  </a:rPr>
+                  <a:t> The </a:t>
+                </a:r>
+                <a:r>
+                  <a:rPr lang="en-US" b="1" i="1" dirty="0">
+                    <a:solidFill>
+                      <a:srgbClr val="FF0000"/>
+                    </a:solidFill>
+                  </a:rPr>
+                  <a:t>critical section </a:t>
+                </a:r>
+                <a:r>
+                  <a:rPr lang="en-US" dirty="0">
+                    <a:solidFill>
+                      <a:schemeClr val="accent1"/>
+                    </a:solidFill>
+                  </a:rPr>
+                  <a:t>is </a:t>
+                </a:r>
+                <a:r>
+                  <a:rPr lang="en-US" b="1" i="1" dirty="0">
+                    <a:solidFill>
+                      <a:srgbClr val="FF0000"/>
+                    </a:solidFill>
+                  </a:rPr>
+                  <a:t>short</a:t>
+                </a:r>
+                <a:r>
+                  <a:rPr lang="en-US" dirty="0">
+                    <a:solidFill>
+                      <a:schemeClr val="accent1"/>
+                    </a:solidFill>
+                  </a:rPr>
+                  <a:t>. </a:t>
+                </a:r>
+              </a:p>
+              <a:p>
+                <a:pPr lvl="2"/>
+                <a:r>
+                  <a:rPr lang="en-US" dirty="0">
+                    <a:solidFill>
+                      <a:schemeClr val="accent1"/>
+                    </a:solidFill>
+                  </a:rPr>
+                  <a:t> There is </a:t>
+                </a:r>
+                <a:r>
+                  <a:rPr lang="en-US" b="1" i="1" dirty="0">
+                    <a:solidFill>
+                      <a:srgbClr val="FF0000"/>
+                    </a:solidFill>
+                  </a:rPr>
+                  <a:t>low contention </a:t>
+                </a:r>
+                <a:r>
+                  <a:rPr lang="en-US" dirty="0">
+                    <a:solidFill>
+                      <a:schemeClr val="accent1"/>
+                    </a:solidFill>
+                  </a:rPr>
+                  <a:t>for the lock locally.</a:t>
+                </a:r>
+              </a:p>
+              <a:p>
+                <a:pPr lvl="2"/>
+                <a:endParaRPr lang="en-US" dirty="0">
+                  <a:solidFill>
+                    <a:schemeClr val="accent1"/>
+                  </a:solidFill>
+                </a:endParaRPr>
+              </a:p>
+            </p:txBody>
+          </p:sp>
+        </mc:Choice>
+        <mc:Fallback xmlns="">
+          <p:sp>
+            <p:nvSpPr>
+              <p:cNvPr id="3" name="Content Placeholder 2">
+                <a:extLst>
+                  <a:ext uri="{FF2B5EF4-FFF2-40B4-BE49-F238E27FC236}">
+                    <a16:creationId xmlns:a16="http://schemas.microsoft.com/office/drawing/2014/main" id="{A662C8EA-78B0-4C48-B063-CA1E4C656D6B}"/>
+                  </a:ext>
+                </a:extLst>
+              </p:cNvPr>
+              <p:cNvSpPr>
+                <a:spLocks noGrp="1" noRot="1" noChangeAspect="1" noMove="1" noResize="1" noEditPoints="1" noAdjustHandles="1" noChangeArrowheads="1" noChangeShapeType="1" noTextEdit="1"/>
+              </p:cNvSpPr>
+              <p:nvPr>
+                <p:ph idx="1"/>
+              </p:nvPr>
+            </p:nvSpPr>
+            <p:spPr>
+              <a:blipFill>
+                <a:blip r:embed="rId2"/>
+                <a:stretch>
+                  <a:fillRect l="-1217" t="-2241"/>
+                </a:stretch>
+              </a:blipFill>
+            </p:spPr>
+            <p:txBody>
+              <a:bodyPr/>
+              <a:lstStyle/>
+              <a:p>
+                <a:r>
+                  <a:rPr lang="en-US">
+                    <a:noFill/>
+                  </a:rPr>
+                  <a:t> </a:t>
+                </a:r>
+              </a:p>
+            </p:txBody>
+          </p:sp>
+        </mc:Fallback>
+      </mc:AlternateContent>
+    </p:spTree>
+    <p:extLst>
+      <p:ext uri="{BB962C8B-B14F-4D97-AF65-F5344CB8AC3E}">
+        <p14:creationId xmlns:p14="http://schemas.microsoft.com/office/powerpoint/2010/main" val="2042647409"/>
+      </p:ext>
+    </p:extLst>
+  </p:cSld>
+  <p:clrMapOvr>
+    <a:masterClrMapping/>
+  </p:clrMapOvr>
+</p:sld>
+</file>
+
+<file path=ppt/slides/slide32.xml><?xml version="1.0" encoding="utf-8"?>
+<p:sld xmlns:a="http://schemas.openxmlformats.org/drawingml/2006/main" xmlns:r="http://schemas.openxmlformats.org/officeDocument/2006/relationships" xmlns:p="http://schemas.openxmlformats.org/presentationml/2006/main">
+  <p:cSld>
+    <p:spTree>
+      <p:nvGrpSpPr>
+        <p:cNvPr id="1" name=""/>
+        <p:cNvGrpSpPr/>
+        <p:nvPr/>
+      </p:nvGrpSpPr>
+      <p:grpSpPr>
+        <a:xfrm>
+          <a:off x="0" y="0"/>
+          <a:ext cx="0" cy="0"/>
+          <a:chOff x="0" y="0"/>
+          <a:chExt cx="0" cy="0"/>
+        </a:xfrm>
+      </p:grpSpPr>
+      <p:sp>
+        <p:nvSpPr>
+          <p:cNvPr id="2" name="Title 1">
+            <a:extLst>
+              <a:ext uri="{FF2B5EF4-FFF2-40B4-BE49-F238E27FC236}">
                 <a16:creationId xmlns:a16="http://schemas.microsoft.com/office/drawing/2014/main" id="{D8167EB1-F81E-449C-81B6-A988B1FA7474}"/>
               </a:ext>
             </a:extLst>
@@ -10127,7 +10655,7 @@
 </p:sld>
 </file>
 
-<file path=ppt/slides/slide31.xml><?xml version="1.0" encoding="utf-8"?>
+<file path=ppt/slides/slide33.xml><?xml version="1.0" encoding="utf-8"?>
 <p:sld xmlns:a="http://schemas.openxmlformats.org/drawingml/2006/main" xmlns:r="http://schemas.openxmlformats.org/officeDocument/2006/relationships" xmlns:p="http://schemas.openxmlformats.org/presentationml/2006/main">
   <p:cSld>
     <p:spTree>
@@ -10283,7 +10811,7 @@
 </p:sld>
 </file>
 
-<file path=ppt/slides/slide32.xml><?xml version="1.0" encoding="utf-8"?>
+<file path=ppt/slides/slide34.xml><?xml version="1.0" encoding="utf-8"?>
 <p:sld xmlns:a="http://schemas.openxmlformats.org/drawingml/2006/main" xmlns:r="http://schemas.openxmlformats.org/officeDocument/2006/relationships" xmlns:p="http://schemas.openxmlformats.org/presentationml/2006/main">
   <p:cSld>
     <p:spTree>
@@ -10525,7 +11053,7 @@
           <p:nvPr/>
         </p:nvPicPr>
         <p:blipFill>
-          <a:blip r:embed="rId3"/>
+          <a:blip r:embed="rId2"/>
           <a:stretch>
             <a:fillRect/>
           </a:stretch>
@@ -10553,7 +11081,7 @@
 </p:sld>
 </file>
 
-<file path=ppt/slides/slide33.xml><?xml version="1.0" encoding="utf-8"?>
+<file path=ppt/slides/slide35.xml><?xml version="1.0" encoding="utf-8"?>
 <p:sld xmlns:a="http://schemas.openxmlformats.org/drawingml/2006/main" xmlns:r="http://schemas.openxmlformats.org/officeDocument/2006/relationships" xmlns:p="http://schemas.openxmlformats.org/presentationml/2006/main">
   <p:cSld>
     <p:spTree>
@@ -10738,7 +11266,7 @@
 </p:sld>
 </file>
 
-<file path=ppt/slides/slide34.xml><?xml version="1.0" encoding="utf-8"?>
+<file path=ppt/slides/slide36.xml><?xml version="1.0" encoding="utf-8"?>
 <p:sld xmlns:a="http://schemas.openxmlformats.org/drawingml/2006/main" xmlns:r="http://schemas.openxmlformats.org/officeDocument/2006/relationships" xmlns:p="http://schemas.openxmlformats.org/presentationml/2006/main">
   <p:cSld>
     <p:spTree>
@@ -10966,7 +11494,7 @@
 </p:sld>
 </file>
 
-<file path=ppt/slides/slide35.xml><?xml version="1.0" encoding="utf-8"?>
+<file path=ppt/slides/slide37.xml><?xml version="1.0" encoding="utf-8"?>
 <p:sld xmlns:a="http://schemas.openxmlformats.org/drawingml/2006/main" xmlns:r="http://schemas.openxmlformats.org/officeDocument/2006/relationships" xmlns:p="http://schemas.openxmlformats.org/presentationml/2006/main">
   <p:cSld>
     <p:spTree>
@@ -11450,7 +11978,7 @@
 </p:sld>
 </file>
 
-<file path=ppt/slides/slide36.xml><?xml version="1.0" encoding="utf-8"?>
+<file path=ppt/slides/slide38.xml><?xml version="1.0" encoding="utf-8"?>
 <p:sld xmlns:a="http://schemas.openxmlformats.org/drawingml/2006/main" xmlns:r="http://schemas.openxmlformats.org/officeDocument/2006/relationships" xmlns:p="http://schemas.openxmlformats.org/presentationml/2006/main">
   <p:cSld>
     <p:spTree>
@@ -11542,7 +12070,7 @@
 </p:sld>
 </file>
 
-<file path=ppt/slides/slide37.xml><?xml version="1.0" encoding="utf-8"?>
+<file path=ppt/slides/slide39.xml><?xml version="1.0" encoding="utf-8"?>
 <p:sld xmlns:a="http://schemas.openxmlformats.org/drawingml/2006/main" xmlns:r="http://schemas.openxmlformats.org/officeDocument/2006/relationships" xmlns:p="http://schemas.openxmlformats.org/presentationml/2006/main">
   <p:cSld>
     <p:spTree>
@@ -11951,7 +12479,217 @@
 </p:sld>
 </file>
 
-<file path=ppt/slides/slide38.xml><?xml version="1.0" encoding="utf-8"?>
+<file path=ppt/slides/slide4.xml><?xml version="1.0" encoding="utf-8"?>
+<p:sld xmlns:a="http://schemas.openxmlformats.org/drawingml/2006/main" xmlns:r="http://schemas.openxmlformats.org/officeDocument/2006/relationships" xmlns:p="http://schemas.openxmlformats.org/presentationml/2006/main">
+  <p:cSld>
+    <p:spTree>
+      <p:nvGrpSpPr>
+        <p:cNvPr id="1" name=""/>
+        <p:cNvGrpSpPr/>
+        <p:nvPr/>
+      </p:nvGrpSpPr>
+      <p:grpSpPr>
+        <a:xfrm>
+          <a:off x="0" y="0"/>
+          <a:ext cx="0" cy="0"/>
+          <a:chOff x="0" y="0"/>
+          <a:chExt cx="0" cy="0"/>
+        </a:xfrm>
+      </p:grpSpPr>
+      <p:sp>
+        <p:nvSpPr>
+          <p:cNvPr id="2" name="Title 1">
+            <a:extLst>
+              <a:ext uri="{FF2B5EF4-FFF2-40B4-BE49-F238E27FC236}">
+                <a16:creationId xmlns:a16="http://schemas.microsoft.com/office/drawing/2014/main" id="{EC5ECF8F-91C7-4997-8685-DAE0E27A2326}"/>
+              </a:ext>
+            </a:extLst>
+          </p:cNvPr>
+          <p:cNvSpPr>
+            <a:spLocks noGrp="1"/>
+          </p:cNvSpPr>
+          <p:nvPr>
+            <p:ph type="title"/>
+          </p:nvPr>
+        </p:nvSpPr>
+        <p:spPr/>
+        <p:txBody>
+          <a:bodyPr/>
+          <a:lstStyle/>
+          <a:p>
+            <a:r>
+              <a:rPr lang="en-US" dirty="0">
+                <a:solidFill>
+                  <a:schemeClr val="accent1"/>
+                </a:solidFill>
+              </a:rPr>
+              <a:t>Processes</a:t>
+            </a:r>
+          </a:p>
+        </p:txBody>
+      </p:sp>
+      <p:sp>
+        <p:nvSpPr>
+          <p:cNvPr id="3" name="Content Placeholder 2">
+            <a:extLst>
+              <a:ext uri="{FF2B5EF4-FFF2-40B4-BE49-F238E27FC236}">
+                <a16:creationId xmlns:a16="http://schemas.microsoft.com/office/drawing/2014/main" id="{9904C514-3E5E-430F-85FD-6594D347E6F1}"/>
+              </a:ext>
+            </a:extLst>
+          </p:cNvPr>
+          <p:cNvSpPr>
+            <a:spLocks noGrp="1"/>
+          </p:cNvSpPr>
+          <p:nvPr>
+            <p:ph idx="1"/>
+          </p:nvPr>
+        </p:nvSpPr>
+        <p:spPr/>
+        <p:txBody>
+          <a:bodyPr>
+            <a:normAutofit/>
+          </a:bodyPr>
+          <a:lstStyle/>
+          <a:p>
+            <a:pPr marL="0" indent="0">
+              <a:buNone/>
+            </a:pPr>
+            <a:r>
+              <a:rPr lang="en-US" b="1" i="1" u="sng" dirty="0">
+                <a:solidFill>
+                  <a:srgbClr val="FF0000"/>
+                </a:solidFill>
+              </a:rPr>
+              <a:t>Definition</a:t>
+            </a:r>
+            <a:r>
+              <a:rPr lang="en-US" b="1" i="1" dirty="0">
+                <a:solidFill>
+                  <a:srgbClr val="FF0000"/>
+                </a:solidFill>
+              </a:rPr>
+              <a:t>:</a:t>
+            </a:r>
+            <a:br>
+              <a:rPr lang="en-US" dirty="0">
+                <a:solidFill>
+                  <a:schemeClr val="accent1"/>
+                </a:solidFill>
+              </a:rPr>
+            </a:br>
+            <a:r>
+              <a:rPr lang="en-US" dirty="0">
+                <a:solidFill>
+                  <a:schemeClr val="accent1"/>
+                </a:solidFill>
+              </a:rPr>
+              <a:t>	A process is an abstract entity, defined by the kernel of an OS, to which system resources are allocated in order to execute a program.</a:t>
+            </a:r>
+          </a:p>
+          <a:p>
+            <a:pPr marL="0" indent="0">
+              <a:buNone/>
+            </a:pPr>
+            <a:endParaRPr lang="en-US" dirty="0">
+              <a:solidFill>
+                <a:schemeClr val="accent1"/>
+              </a:solidFill>
+            </a:endParaRPr>
+          </a:p>
+          <a:p>
+            <a:pPr marL="0" indent="0">
+              <a:buNone/>
+            </a:pPr>
+            <a:r>
+              <a:rPr lang="en-US" dirty="0">
+                <a:solidFill>
+                  <a:schemeClr val="accent1"/>
+                </a:solidFill>
+              </a:rPr>
+              <a:t>From the kernel’s point of view, a process consists of:</a:t>
+            </a:r>
+          </a:p>
+          <a:p>
+            <a:pPr lvl="1"/>
+            <a:r>
+              <a:rPr lang="en-US" sz="2000" dirty="0">
+                <a:solidFill>
+                  <a:schemeClr val="accent1"/>
+                </a:solidFill>
+              </a:rPr>
+              <a:t>User-space memory containing both program code and data used by the code</a:t>
+            </a:r>
+          </a:p>
+          <a:p>
+            <a:pPr lvl="1"/>
+            <a:r>
+              <a:rPr lang="en-US" sz="2000" dirty="0">
+                <a:solidFill>
+                  <a:schemeClr val="accent1"/>
+                </a:solidFill>
+              </a:rPr>
+              <a:t>A range of kernel data structures for maintaining information about the state of the process such as</a:t>
+            </a:r>
+          </a:p>
+          <a:p>
+            <a:pPr lvl="2"/>
+            <a:r>
+              <a:rPr lang="en-US" dirty="0">
+                <a:solidFill>
+                  <a:schemeClr val="accent1"/>
+                </a:solidFill>
+              </a:rPr>
+              <a:t>page table</a:t>
+            </a:r>
+          </a:p>
+          <a:p>
+            <a:pPr lvl="2"/>
+            <a:r>
+              <a:rPr lang="en-US" dirty="0">
+                <a:solidFill>
+                  <a:schemeClr val="accent1"/>
+                </a:solidFill>
+              </a:rPr>
+              <a:t>open file descriptors</a:t>
+            </a:r>
+          </a:p>
+          <a:p>
+            <a:pPr lvl="2"/>
+            <a:r>
+              <a:rPr lang="en-US" dirty="0">
+                <a:solidFill>
+                  <a:schemeClr val="accent1"/>
+                </a:solidFill>
+              </a:rPr>
+              <a:t>signal delivery &amp; handling  	 </a:t>
+            </a:r>
+          </a:p>
+          <a:p>
+            <a:pPr marL="0" indent="0">
+              <a:buNone/>
+            </a:pPr>
+            <a:endParaRPr lang="en-US" dirty="0">
+              <a:solidFill>
+                <a:schemeClr val="accent1"/>
+              </a:solidFill>
+            </a:endParaRPr>
+          </a:p>
+        </p:txBody>
+      </p:sp>
+    </p:spTree>
+    <p:extLst>
+      <p:ext uri="{BB962C8B-B14F-4D97-AF65-F5344CB8AC3E}">
+        <p14:creationId xmlns:p14="http://schemas.microsoft.com/office/powerpoint/2010/main" val="2966694853"/>
+      </p:ext>
+    </p:extLst>
+  </p:cSld>
+  <p:clrMapOvr>
+    <a:masterClrMapping/>
+  </p:clrMapOvr>
+</p:sld>
+</file>
+
+<file path=ppt/slides/slide40.xml><?xml version="1.0" encoding="utf-8"?>
 <p:sld xmlns:a="http://schemas.openxmlformats.org/drawingml/2006/main" xmlns:r="http://schemas.openxmlformats.org/officeDocument/2006/relationships" xmlns:p="http://schemas.openxmlformats.org/presentationml/2006/main">
   <p:cSld>
     <p:spTree>
@@ -12526,7 +13264,7 @@
 </p:sld>
 </file>
 
-<file path=ppt/slides/slide39.xml><?xml version="1.0" encoding="utf-8"?>
+<file path=ppt/slides/slide41.xml><?xml version="1.0" encoding="utf-8"?>
 <p:sld xmlns:a="http://schemas.openxmlformats.org/drawingml/2006/main" xmlns:r="http://schemas.openxmlformats.org/officeDocument/2006/relationships" xmlns:p="http://schemas.openxmlformats.org/presentationml/2006/main">
   <p:cSld>
     <p:spTree>
@@ -12982,217 +13720,7 @@
 </p:sld>
 </file>
 
-<file path=ppt/slides/slide4.xml><?xml version="1.0" encoding="utf-8"?>
-<p:sld xmlns:a="http://schemas.openxmlformats.org/drawingml/2006/main" xmlns:r="http://schemas.openxmlformats.org/officeDocument/2006/relationships" xmlns:p="http://schemas.openxmlformats.org/presentationml/2006/main">
-  <p:cSld>
-    <p:spTree>
-      <p:nvGrpSpPr>
-        <p:cNvPr id="1" name=""/>
-        <p:cNvGrpSpPr/>
-        <p:nvPr/>
-      </p:nvGrpSpPr>
-      <p:grpSpPr>
-        <a:xfrm>
-          <a:off x="0" y="0"/>
-          <a:ext cx="0" cy="0"/>
-          <a:chOff x="0" y="0"/>
-          <a:chExt cx="0" cy="0"/>
-        </a:xfrm>
-      </p:grpSpPr>
-      <p:sp>
-        <p:nvSpPr>
-          <p:cNvPr id="2" name="Title 1">
-            <a:extLst>
-              <a:ext uri="{FF2B5EF4-FFF2-40B4-BE49-F238E27FC236}">
-                <a16:creationId xmlns:a16="http://schemas.microsoft.com/office/drawing/2014/main" id="{EC5ECF8F-91C7-4997-8685-DAE0E27A2326}"/>
-              </a:ext>
-            </a:extLst>
-          </p:cNvPr>
-          <p:cNvSpPr>
-            <a:spLocks noGrp="1"/>
-          </p:cNvSpPr>
-          <p:nvPr>
-            <p:ph type="title"/>
-          </p:nvPr>
-        </p:nvSpPr>
-        <p:spPr/>
-        <p:txBody>
-          <a:bodyPr/>
-          <a:lstStyle/>
-          <a:p>
-            <a:r>
-              <a:rPr lang="en-US" dirty="0">
-                <a:solidFill>
-                  <a:schemeClr val="accent1"/>
-                </a:solidFill>
-              </a:rPr>
-              <a:t>Processes</a:t>
-            </a:r>
-          </a:p>
-        </p:txBody>
-      </p:sp>
-      <p:sp>
-        <p:nvSpPr>
-          <p:cNvPr id="3" name="Content Placeholder 2">
-            <a:extLst>
-              <a:ext uri="{FF2B5EF4-FFF2-40B4-BE49-F238E27FC236}">
-                <a16:creationId xmlns:a16="http://schemas.microsoft.com/office/drawing/2014/main" id="{9904C514-3E5E-430F-85FD-6594D347E6F1}"/>
-              </a:ext>
-            </a:extLst>
-          </p:cNvPr>
-          <p:cNvSpPr>
-            <a:spLocks noGrp="1"/>
-          </p:cNvSpPr>
-          <p:nvPr>
-            <p:ph idx="1"/>
-          </p:nvPr>
-        </p:nvSpPr>
-        <p:spPr/>
-        <p:txBody>
-          <a:bodyPr>
-            <a:normAutofit/>
-          </a:bodyPr>
-          <a:lstStyle/>
-          <a:p>
-            <a:pPr marL="0" indent="0">
-              <a:buNone/>
-            </a:pPr>
-            <a:r>
-              <a:rPr lang="en-US" b="1" i="1" u="sng" dirty="0">
-                <a:solidFill>
-                  <a:srgbClr val="FF0000"/>
-                </a:solidFill>
-              </a:rPr>
-              <a:t>Definition</a:t>
-            </a:r>
-            <a:r>
-              <a:rPr lang="en-US" b="1" i="1" dirty="0">
-                <a:solidFill>
-                  <a:srgbClr val="FF0000"/>
-                </a:solidFill>
-              </a:rPr>
-              <a:t>:</a:t>
-            </a:r>
-            <a:br>
-              <a:rPr lang="en-US" dirty="0">
-                <a:solidFill>
-                  <a:schemeClr val="accent1"/>
-                </a:solidFill>
-              </a:rPr>
-            </a:br>
-            <a:r>
-              <a:rPr lang="en-US" dirty="0">
-                <a:solidFill>
-                  <a:schemeClr val="accent1"/>
-                </a:solidFill>
-              </a:rPr>
-              <a:t>	A process is an abstract entity, defined by the kernel of an OS, to which system resources are allocated in order to execute a program.</a:t>
-            </a:r>
-          </a:p>
-          <a:p>
-            <a:pPr marL="0" indent="0">
-              <a:buNone/>
-            </a:pPr>
-            <a:endParaRPr lang="en-US" dirty="0">
-              <a:solidFill>
-                <a:schemeClr val="accent1"/>
-              </a:solidFill>
-            </a:endParaRPr>
-          </a:p>
-          <a:p>
-            <a:pPr marL="0" indent="0">
-              <a:buNone/>
-            </a:pPr>
-            <a:r>
-              <a:rPr lang="en-US" dirty="0">
-                <a:solidFill>
-                  <a:schemeClr val="accent1"/>
-                </a:solidFill>
-              </a:rPr>
-              <a:t>From the kernel’s point of view, a process consists of:</a:t>
-            </a:r>
-          </a:p>
-          <a:p>
-            <a:pPr lvl="1"/>
-            <a:r>
-              <a:rPr lang="en-US" sz="2000" dirty="0">
-                <a:solidFill>
-                  <a:schemeClr val="accent1"/>
-                </a:solidFill>
-              </a:rPr>
-              <a:t>User-space memory containing both program code and data used by the code</a:t>
-            </a:r>
-          </a:p>
-          <a:p>
-            <a:pPr lvl="1"/>
-            <a:r>
-              <a:rPr lang="en-US" sz="2000" dirty="0">
-                <a:solidFill>
-                  <a:schemeClr val="accent1"/>
-                </a:solidFill>
-              </a:rPr>
-              <a:t>A range of kernel data structures for maintaining information about the state of the process such as</a:t>
-            </a:r>
-          </a:p>
-          <a:p>
-            <a:pPr lvl="2"/>
-            <a:r>
-              <a:rPr lang="en-US" dirty="0">
-                <a:solidFill>
-                  <a:schemeClr val="accent1"/>
-                </a:solidFill>
-              </a:rPr>
-              <a:t>page table</a:t>
-            </a:r>
-          </a:p>
-          <a:p>
-            <a:pPr lvl="2"/>
-            <a:r>
-              <a:rPr lang="en-US" dirty="0">
-                <a:solidFill>
-                  <a:schemeClr val="accent1"/>
-                </a:solidFill>
-              </a:rPr>
-              <a:t>open file descriptors</a:t>
-            </a:r>
-          </a:p>
-          <a:p>
-            <a:pPr lvl="2"/>
-            <a:r>
-              <a:rPr lang="en-US" dirty="0">
-                <a:solidFill>
-                  <a:schemeClr val="accent1"/>
-                </a:solidFill>
-              </a:rPr>
-              <a:t>signal delivery &amp; handling  	 </a:t>
-            </a:r>
-          </a:p>
-          <a:p>
-            <a:pPr marL="0" indent="0">
-              <a:buNone/>
-            </a:pPr>
-            <a:endParaRPr lang="en-US" dirty="0">
-              <a:solidFill>
-                <a:schemeClr val="accent1"/>
-              </a:solidFill>
-            </a:endParaRPr>
-          </a:p>
-        </p:txBody>
-      </p:sp>
-    </p:spTree>
-    <p:extLst>
-      <p:ext uri="{BB962C8B-B14F-4D97-AF65-F5344CB8AC3E}">
-        <p14:creationId xmlns:p14="http://schemas.microsoft.com/office/powerpoint/2010/main" val="2966694853"/>
-      </p:ext>
-    </p:extLst>
-  </p:cSld>
-  <p:clrMapOvr>
-    <a:masterClrMapping/>
-  </p:clrMapOvr>
-</p:sld>
-</file>
-
-<file path=ppt/slides/slide40.xml><?xml version="1.0" encoding="utf-8"?>
+<file path=ppt/slides/slide42.xml><?xml version="1.0" encoding="utf-8"?>
 <p:sld xmlns:a="http://schemas.openxmlformats.org/drawingml/2006/main" xmlns:r="http://schemas.openxmlformats.org/officeDocument/2006/relationships" xmlns:p="http://schemas.openxmlformats.org/presentationml/2006/main">
   <p:cSld>
     <p:spTree>
@@ -13353,7 +13881,7 @@
 </p:sld>
 </file>
 
-<file path=ppt/slides/slide41.xml><?xml version="1.0" encoding="utf-8"?>
+<file path=ppt/slides/slide43.xml><?xml version="1.0" encoding="utf-8"?>
 <p:sld xmlns:a="http://schemas.openxmlformats.org/drawingml/2006/main" xmlns:r="http://schemas.openxmlformats.org/officeDocument/2006/relationships" xmlns:p="http://schemas.openxmlformats.org/presentationml/2006/main">
   <p:cSld>
     <p:spTree>
@@ -13694,7 +14222,7 @@
 </p:sld>
 </file>
 
-<file path=ppt/slides/slide42.xml><?xml version="1.0" encoding="utf-8"?>
+<file path=ppt/slides/slide44.xml><?xml version="1.0" encoding="utf-8"?>
 <p:sld xmlns:a="http://schemas.openxmlformats.org/drawingml/2006/main" xmlns:r="http://schemas.openxmlformats.org/officeDocument/2006/relationships" xmlns:p="http://schemas.openxmlformats.org/presentationml/2006/main">
   <p:cSld>
     <p:spTree>
@@ -13786,7 +14314,7 @@
 </p:sld>
 </file>
 
-<file path=ppt/slides/slide43.xml><?xml version="1.0" encoding="utf-8"?>
+<file path=ppt/slides/slide45.xml><?xml version="1.0" encoding="utf-8"?>
 <p:sld xmlns:a="http://schemas.openxmlformats.org/drawingml/2006/main" xmlns:r="http://schemas.openxmlformats.org/officeDocument/2006/relationships" xmlns:p="http://schemas.openxmlformats.org/presentationml/2006/main">
   <p:cSld>
     <p:spTree>
@@ -14258,7 +14786,7 @@
 </p:sld>
 </file>
 
-<file path=ppt/slides/slide44.xml><?xml version="1.0" encoding="utf-8"?>
+<file path=ppt/slides/slide46.xml><?xml version="1.0" encoding="utf-8"?>
 <p:sld xmlns:a="http://schemas.openxmlformats.org/drawingml/2006/main" xmlns:r="http://schemas.openxmlformats.org/officeDocument/2006/relationships" xmlns:p="http://schemas.openxmlformats.org/presentationml/2006/main">
   <p:cSld>
     <p:spTree>
@@ -14351,7 +14879,7 @@
 </p:sld>
 </file>
 
-<file path=ppt/slides/slide45.xml><?xml version="1.0" encoding="utf-8"?>
+<file path=ppt/slides/slide47.xml><?xml version="1.0" encoding="utf-8"?>
 <p:sld xmlns:a="http://schemas.openxmlformats.org/drawingml/2006/main" xmlns:r="http://schemas.openxmlformats.org/officeDocument/2006/relationships" xmlns:p="http://schemas.openxmlformats.org/presentationml/2006/main">
   <p:cSld>
     <p:spTree>
@@ -14914,7 +15442,7 @@
 </p:sld>
 </file>
 
-<file path=ppt/slides/slide46.xml><?xml version="1.0" encoding="utf-8"?>
+<file path=ppt/slides/slide48.xml><?xml version="1.0" encoding="utf-8"?>
 <p:sld xmlns:a="http://schemas.openxmlformats.org/drawingml/2006/main" xmlns:r="http://schemas.openxmlformats.org/officeDocument/2006/relationships" xmlns:p="http://schemas.openxmlformats.org/presentationml/2006/main">
   <p:cSld>
     <p:spTree>
@@ -15422,7 +15950,7 @@
 </p:sld>
 </file>
 
-<file path=ppt/slides/slide47.xml><?xml version="1.0" encoding="utf-8"?>
+<file path=ppt/slides/slide49.xml><?xml version="1.0" encoding="utf-8"?>
 <p:sld xmlns:a="http://schemas.openxmlformats.org/drawingml/2006/main" xmlns:r="http://schemas.openxmlformats.org/officeDocument/2006/relationships" xmlns:p="http://schemas.openxmlformats.org/presentationml/2006/main">
   <p:cSld>
     <p:spTree>
@@ -15520,584 +16048,6 @@
 </p:sld>
 </file>
 
-<file path=ppt/slides/slide48.xml><?xml version="1.0" encoding="utf-8"?>
-<p:sld xmlns:a="http://schemas.openxmlformats.org/drawingml/2006/main" xmlns:r="http://schemas.openxmlformats.org/officeDocument/2006/relationships" xmlns:p="http://schemas.openxmlformats.org/presentationml/2006/main">
-  <p:cSld>
-    <p:spTree>
-      <p:nvGrpSpPr>
-        <p:cNvPr id="1" name=""/>
-        <p:cNvGrpSpPr/>
-        <p:nvPr/>
-      </p:nvGrpSpPr>
-      <p:grpSpPr>
-        <a:xfrm>
-          <a:off x="0" y="0"/>
-          <a:ext cx="0" cy="0"/>
-          <a:chOff x="0" y="0"/>
-          <a:chExt cx="0" cy="0"/>
-        </a:xfrm>
-      </p:grpSpPr>
-      <p:sp>
-        <p:nvSpPr>
-          <p:cNvPr id="2" name="Title 1">
-            <a:extLst>
-              <a:ext uri="{FF2B5EF4-FFF2-40B4-BE49-F238E27FC236}">
-                <a16:creationId xmlns:a16="http://schemas.microsoft.com/office/drawing/2014/main" id="{F45995A7-61FC-4A00-8E05-D487FC90B851}"/>
-              </a:ext>
-            </a:extLst>
-          </p:cNvPr>
-          <p:cNvSpPr>
-            <a:spLocks noGrp="1"/>
-          </p:cNvSpPr>
-          <p:nvPr>
-            <p:ph type="title"/>
-          </p:nvPr>
-        </p:nvSpPr>
-        <p:spPr/>
-        <p:txBody>
-          <a:bodyPr/>
-          <a:lstStyle/>
-          <a:p>
-            <a:r>
-              <a:rPr lang="en-US" dirty="0">
-                <a:solidFill>
-                  <a:schemeClr val="accent1"/>
-                </a:solidFill>
-              </a:rPr>
-              <a:t>Semaphore: Bounded Buffer Problem</a:t>
-            </a:r>
-            <a:endParaRPr lang="en-US" dirty="0"/>
-          </a:p>
-        </p:txBody>
-      </p:sp>
-      <mc:AlternateContent xmlns:mc="http://schemas.openxmlformats.org/markup-compatibility/2006">
-        <mc:Choice xmlns:a14="http://schemas.microsoft.com/office/drawing/2010/main" Requires="a14">
-          <p:sp>
-            <p:nvSpPr>
-              <p:cNvPr id="3" name="Content Placeholder 2">
-                <a:extLst>
-                  <a:ext uri="{FF2B5EF4-FFF2-40B4-BE49-F238E27FC236}">
-                    <a16:creationId xmlns:a16="http://schemas.microsoft.com/office/drawing/2014/main" id="{79AF4BB0-658B-4458-8797-4D2B2BAEB6FD}"/>
-                  </a:ext>
-                </a:extLst>
-              </p:cNvPr>
-              <p:cNvSpPr>
-                <a:spLocks noGrp="1"/>
-              </p:cNvSpPr>
-              <p:nvPr>
-                <p:ph idx="1"/>
-              </p:nvPr>
-            </p:nvSpPr>
-            <p:spPr/>
-            <p:txBody>
-              <a:bodyPr/>
-              <a:lstStyle/>
-              <a:p>
-                <a:pPr marL="0" indent="0">
-                  <a:buNone/>
-                </a:pPr>
-                <a:r>
-                  <a:rPr lang="en-US" b="1" i="1" u="sng" dirty="0">
-                    <a:solidFill>
-                      <a:srgbClr val="FF0000"/>
-                    </a:solidFill>
-                  </a:rPr>
-                  <a:t>Observations</a:t>
-                </a:r>
-                <a:r>
-                  <a:rPr lang="en-US" b="1" i="1" dirty="0">
-                    <a:solidFill>
-                      <a:srgbClr val="FF0000"/>
-                    </a:solidFill>
-                  </a:rPr>
-                  <a:t>:</a:t>
-                </a:r>
-              </a:p>
-              <a:p>
-                <a:r>
-                  <a:rPr lang="en-US" dirty="0">
-                    <a:solidFill>
-                      <a:schemeClr val="accent1"/>
-                    </a:solidFill>
-                  </a:rPr>
-                  <a:t>We make use of semaphores in two different ways:</a:t>
-                </a:r>
-              </a:p>
-              <a:p>
-                <a:pPr lvl="1"/>
-                <a:r>
-                  <a:rPr lang="en-US" dirty="0">
-                    <a:solidFill>
-                      <a:schemeClr val="accent1"/>
-                    </a:solidFill>
-                  </a:rPr>
-                  <a:t>The </a:t>
-                </a:r>
-                <a14:m>
-                  <m:oMath xmlns:m="http://schemas.openxmlformats.org/officeDocument/2006/math">
-                    <m:r>
-                      <a:rPr lang="en-US" b="0" i="1" smtClean="0">
-                        <a:solidFill>
-                          <a:schemeClr val="tx1"/>
-                        </a:solidFill>
-                        <a:latin typeface="Cambria Math" panose="02040503050406030204" pitchFamily="18" charset="0"/>
-                      </a:rPr>
-                      <m:t>𝑚𝑢𝑡𝑒𝑥</m:t>
-                    </m:r>
-                  </m:oMath>
-                </a14:m>
-                <a:r>
-                  <a:rPr lang="en-US" dirty="0">
-                    <a:solidFill>
-                      <a:schemeClr val="accent1"/>
-                    </a:solidFill>
-                  </a:rPr>
-                  <a:t> semaphore is used for </a:t>
-                </a:r>
-                <a:r>
-                  <a:rPr lang="en-US" b="1" i="1" dirty="0">
-                    <a:solidFill>
-                      <a:srgbClr val="FF0000"/>
-                    </a:solidFill>
-                  </a:rPr>
-                  <a:t>mutual exclusion</a:t>
-                </a:r>
-                <a:r>
-                  <a:rPr lang="en-US" dirty="0">
-                    <a:solidFill>
-                      <a:schemeClr val="accent1"/>
-                    </a:solidFill>
-                  </a:rPr>
-                  <a:t>.</a:t>
-                </a:r>
-                <a:endParaRPr lang="en-US" b="1" i="1" dirty="0">
-                  <a:solidFill>
-                    <a:srgbClr val="FF0000"/>
-                  </a:solidFill>
-                </a:endParaRPr>
-              </a:p>
-              <a:p>
-                <a:pPr lvl="2"/>
-                <a:r>
-                  <a:rPr lang="en-US" dirty="0">
-                    <a:solidFill>
-                      <a:schemeClr val="accent1"/>
-                    </a:solidFill>
-                  </a:rPr>
-                  <a:t>It guarantees that at most one process at a time can access or modify the state of the buffer.</a:t>
-                </a:r>
-              </a:p>
-              <a:p>
-                <a:pPr marL="914400" lvl="2" indent="0">
-                  <a:buNone/>
-                </a:pPr>
-                <a:endParaRPr lang="en-US" dirty="0">
-                  <a:solidFill>
-                    <a:schemeClr val="accent1"/>
-                  </a:solidFill>
-                </a:endParaRPr>
-              </a:p>
-              <a:p>
-                <a:pPr lvl="1"/>
-                <a:r>
-                  <a:rPr lang="en-US" dirty="0">
-                    <a:solidFill>
-                      <a:schemeClr val="accent1"/>
-                    </a:solidFill>
-                  </a:rPr>
-                  <a:t>The counting semaphores </a:t>
-                </a:r>
-                <a14:m>
-                  <m:oMath xmlns:m="http://schemas.openxmlformats.org/officeDocument/2006/math">
-                    <m:r>
-                      <a:rPr lang="en-US" b="0" i="1" smtClean="0">
-                        <a:solidFill>
-                          <a:schemeClr val="tx1"/>
-                        </a:solidFill>
-                        <a:latin typeface="Cambria Math" panose="02040503050406030204" pitchFamily="18" charset="0"/>
-                      </a:rPr>
-                      <m:t>𝑓𝑢𝑙𝑙</m:t>
-                    </m:r>
-                  </m:oMath>
-                </a14:m>
-                <a:r>
-                  <a:rPr lang="en-US" dirty="0">
-                    <a:solidFill>
-                      <a:schemeClr val="accent1"/>
-                    </a:solidFill>
-                  </a:rPr>
-                  <a:t> and </a:t>
-                </a:r>
-                <a14:m>
-                  <m:oMath xmlns:m="http://schemas.openxmlformats.org/officeDocument/2006/math">
-                    <m:r>
-                      <a:rPr lang="en-US" i="1">
-                        <a:latin typeface="Cambria Math" panose="02040503050406030204" pitchFamily="18" charset="0"/>
-                      </a:rPr>
-                      <m:t>𝑒𝑚𝑝𝑡𝑦</m:t>
-                    </m:r>
-                  </m:oMath>
-                </a14:m>
-                <a:r>
-                  <a:rPr lang="en-US" dirty="0">
-                    <a:solidFill>
-                      <a:schemeClr val="accent1"/>
-                    </a:solidFill>
-                  </a:rPr>
-                  <a:t> are used for </a:t>
-                </a:r>
-                <a:r>
-                  <a:rPr lang="en-US" b="1" i="1" dirty="0">
-                    <a:solidFill>
-                      <a:srgbClr val="FF0000"/>
-                    </a:solidFill>
-                  </a:rPr>
-                  <a:t>synchronization</a:t>
-                </a:r>
-                <a:r>
-                  <a:rPr lang="en-US" dirty="0">
-                    <a:solidFill>
-                      <a:schemeClr val="accent1"/>
-                    </a:solidFill>
-                  </a:rPr>
-                  <a:t> by ensuring that certain event sequences do or do not occur. </a:t>
-                </a:r>
-              </a:p>
-              <a:p>
-                <a:pPr lvl="2"/>
-                <a:r>
-                  <a:rPr lang="en-US" dirty="0">
-                    <a:solidFill>
-                      <a:schemeClr val="accent1"/>
-                    </a:solidFill>
-                  </a:rPr>
-                  <a:t>It makes sure that the producer must wait when the buffer is full.</a:t>
-                </a:r>
-              </a:p>
-              <a:p>
-                <a:pPr lvl="2"/>
-                <a:r>
-                  <a:rPr lang="en-US" dirty="0">
-                    <a:solidFill>
-                      <a:schemeClr val="accent1"/>
-                    </a:solidFill>
-                  </a:rPr>
-                  <a:t>It makes sure that the consumer must wait when the buffer is empty.</a:t>
-                </a:r>
-              </a:p>
-              <a:p>
-                <a:pPr marL="457200" lvl="1" indent="0">
-                  <a:buNone/>
-                </a:pPr>
-                <a:endParaRPr lang="en-US" dirty="0">
-                  <a:solidFill>
-                    <a:schemeClr val="accent1"/>
-                  </a:solidFill>
-                </a:endParaRPr>
-              </a:p>
-              <a:p>
-                <a:pPr lvl="1"/>
-                <a:endParaRPr lang="en-US" dirty="0">
-                  <a:solidFill>
-                    <a:schemeClr val="accent1"/>
-                  </a:solidFill>
-                </a:endParaRPr>
-              </a:p>
-            </p:txBody>
-          </p:sp>
-        </mc:Choice>
-        <mc:Fallback>
-          <p:sp>
-            <p:nvSpPr>
-              <p:cNvPr id="3" name="Content Placeholder 2">
-                <a:extLst>
-                  <a:ext uri="{FF2B5EF4-FFF2-40B4-BE49-F238E27FC236}">
-                    <a16:creationId xmlns:a16="http://schemas.microsoft.com/office/drawing/2014/main" id="{79AF4BB0-658B-4458-8797-4D2B2BAEB6FD}"/>
-                  </a:ext>
-                </a:extLst>
-              </p:cNvPr>
-              <p:cNvSpPr>
-                <a:spLocks noGrp="1" noRot="1" noChangeAspect="1" noMove="1" noResize="1" noEditPoints="1" noAdjustHandles="1" noChangeArrowheads="1" noChangeShapeType="1" noTextEdit="1"/>
-              </p:cNvSpPr>
-              <p:nvPr>
-                <p:ph idx="1"/>
-              </p:nvPr>
-            </p:nvSpPr>
-            <p:spPr>
-              <a:blipFill>
-                <a:blip r:embed="rId2"/>
-                <a:stretch>
-                  <a:fillRect l="-1217" t="-2241"/>
-                </a:stretch>
-              </a:blipFill>
-            </p:spPr>
-            <p:txBody>
-              <a:bodyPr/>
-              <a:lstStyle/>
-              <a:p>
-                <a:r>
-                  <a:rPr lang="en-US">
-                    <a:noFill/>
-                  </a:rPr>
-                  <a:t> </a:t>
-                </a:r>
-              </a:p>
-            </p:txBody>
-          </p:sp>
-        </mc:Fallback>
-      </mc:AlternateContent>
-    </p:spTree>
-    <p:extLst>
-      <p:ext uri="{BB962C8B-B14F-4D97-AF65-F5344CB8AC3E}">
-        <p14:creationId xmlns:p14="http://schemas.microsoft.com/office/powerpoint/2010/main" val="3271120498"/>
-      </p:ext>
-    </p:extLst>
-  </p:cSld>
-  <p:clrMapOvr>
-    <a:masterClrMapping/>
-  </p:clrMapOvr>
-</p:sld>
-</file>
-
-<file path=ppt/slides/slide49.xml><?xml version="1.0" encoding="utf-8"?>
-<p:sld xmlns:a="http://schemas.openxmlformats.org/drawingml/2006/main" xmlns:r="http://schemas.openxmlformats.org/officeDocument/2006/relationships" xmlns:p="http://schemas.openxmlformats.org/presentationml/2006/main">
-  <p:cSld>
-    <p:spTree>
-      <p:nvGrpSpPr>
-        <p:cNvPr id="1" name=""/>
-        <p:cNvGrpSpPr/>
-        <p:nvPr/>
-      </p:nvGrpSpPr>
-      <p:grpSpPr>
-        <a:xfrm>
-          <a:off x="0" y="0"/>
-          <a:ext cx="0" cy="0"/>
-          <a:chOff x="0" y="0"/>
-          <a:chExt cx="0" cy="0"/>
-        </a:xfrm>
-      </p:grpSpPr>
-      <p:sp>
-        <p:nvSpPr>
-          <p:cNvPr id="2" name="Title 1">
-            <a:extLst>
-              <a:ext uri="{FF2B5EF4-FFF2-40B4-BE49-F238E27FC236}">
-                <a16:creationId xmlns:a16="http://schemas.microsoft.com/office/drawing/2014/main" id="{C9D7B12C-52E7-4334-B428-48AC89DAF630}"/>
-              </a:ext>
-            </a:extLst>
-          </p:cNvPr>
-          <p:cNvSpPr>
-            <a:spLocks noGrp="1"/>
-          </p:cNvSpPr>
-          <p:nvPr>
-            <p:ph type="title"/>
-          </p:nvPr>
-        </p:nvSpPr>
-        <p:spPr/>
-        <p:txBody>
-          <a:bodyPr/>
-          <a:lstStyle/>
-          <a:p>
-            <a:r>
-              <a:rPr lang="en-US" dirty="0">
-                <a:solidFill>
-                  <a:schemeClr val="accent1"/>
-                </a:solidFill>
-              </a:rPr>
-              <a:t>Monitor</a:t>
-            </a:r>
-          </a:p>
-        </p:txBody>
-      </p:sp>
-      <p:sp>
-        <p:nvSpPr>
-          <p:cNvPr id="3" name="Content Placeholder 2">
-            <a:extLst>
-              <a:ext uri="{FF2B5EF4-FFF2-40B4-BE49-F238E27FC236}">
-                <a16:creationId xmlns:a16="http://schemas.microsoft.com/office/drawing/2014/main" id="{2D516C28-FD8E-4592-AD43-A61C828847F3}"/>
-              </a:ext>
-            </a:extLst>
-          </p:cNvPr>
-          <p:cNvSpPr>
-            <a:spLocks noGrp="1"/>
-          </p:cNvSpPr>
-          <p:nvPr>
-            <p:ph idx="1"/>
-          </p:nvPr>
-        </p:nvSpPr>
-        <p:spPr/>
-        <p:txBody>
-          <a:bodyPr>
-            <a:normAutofit/>
-          </a:bodyPr>
-          <a:lstStyle/>
-          <a:p>
-            <a:pPr marL="0" indent="0">
-              <a:buNone/>
-            </a:pPr>
-            <a:r>
-              <a:rPr lang="en-US" dirty="0">
-                <a:solidFill>
-                  <a:schemeClr val="accent1"/>
-                </a:solidFill>
-              </a:rPr>
-              <a:t>A </a:t>
-            </a:r>
-            <a:r>
-              <a:rPr lang="en-US" b="1" i="1" dirty="0">
-                <a:solidFill>
-                  <a:srgbClr val="FF0000"/>
-                </a:solidFill>
-              </a:rPr>
-              <a:t>monitor</a:t>
-            </a:r>
-            <a:r>
-              <a:rPr lang="en-US" dirty="0">
-                <a:solidFill>
-                  <a:schemeClr val="accent1"/>
-                </a:solidFill>
-              </a:rPr>
-              <a:t> is a OOP-style construct that provides structured synchronized access to shared data:</a:t>
-            </a:r>
-          </a:p>
-          <a:p>
-            <a:pPr lvl="1"/>
-            <a:r>
-              <a:rPr lang="en-US" dirty="0">
-                <a:solidFill>
-                  <a:schemeClr val="accent1"/>
-                </a:solidFill>
-              </a:rPr>
-              <a:t>Encapsulates data to be shared between threads</a:t>
-            </a:r>
-          </a:p>
-          <a:p>
-            <a:pPr marL="457200" lvl="1" indent="0">
-              <a:buNone/>
-            </a:pPr>
-            <a:endParaRPr lang="en-US" dirty="0">
-              <a:solidFill>
-                <a:schemeClr val="accent1"/>
-              </a:solidFill>
-            </a:endParaRPr>
-          </a:p>
-          <a:p>
-            <a:pPr lvl="1"/>
-            <a:r>
-              <a:rPr lang="en-US" dirty="0">
-                <a:solidFill>
-                  <a:schemeClr val="accent1"/>
-                </a:solidFill>
-              </a:rPr>
-              <a:t>Provides methods for operating on those shared data in such a way that </a:t>
-            </a:r>
-            <a:r>
-              <a:rPr lang="en-US" b="1" i="1" dirty="0">
-                <a:solidFill>
-                  <a:srgbClr val="FF0000"/>
-                </a:solidFill>
-              </a:rPr>
-              <a:t>at most one thread </a:t>
-            </a:r>
-            <a:r>
-              <a:rPr lang="en-US" dirty="0">
-                <a:solidFill>
-                  <a:schemeClr val="accent1"/>
-                </a:solidFill>
-              </a:rPr>
-              <a:t>can call a method and be inside the monitor at a time – hence mutual exclusion </a:t>
-            </a:r>
-          </a:p>
-          <a:p>
-            <a:pPr lvl="2"/>
-            <a:r>
-              <a:rPr lang="en-US" dirty="0">
-                <a:solidFill>
-                  <a:schemeClr val="accent1"/>
-                </a:solidFill>
-              </a:rPr>
-              <a:t>Methods define </a:t>
-            </a:r>
-            <a:r>
-              <a:rPr lang="en-US" b="1" i="1" dirty="0">
-                <a:solidFill>
-                  <a:srgbClr val="FF0000"/>
-                </a:solidFill>
-              </a:rPr>
-              <a:t>critical sections</a:t>
-            </a:r>
-            <a:r>
-              <a:rPr lang="en-US" dirty="0">
-                <a:solidFill>
-                  <a:schemeClr val="accent1"/>
-                </a:solidFill>
-              </a:rPr>
-              <a:t>.</a:t>
-            </a:r>
-          </a:p>
-          <a:p>
-            <a:pPr marL="457200" lvl="1" indent="0">
-              <a:buNone/>
-            </a:pPr>
-            <a:endParaRPr lang="en-US" dirty="0">
-              <a:solidFill>
-                <a:schemeClr val="accent1"/>
-              </a:solidFill>
-            </a:endParaRPr>
-          </a:p>
-          <a:p>
-            <a:pPr marL="0" indent="0">
-              <a:buNone/>
-            </a:pPr>
-            <a:r>
-              <a:rPr lang="en-US" dirty="0">
-                <a:solidFill>
-                  <a:schemeClr val="accent1"/>
-                </a:solidFill>
-              </a:rPr>
-              <a:t>In effect, a monitor protects its shared data from unstructured accesses through their “</a:t>
-            </a:r>
-            <a:r>
-              <a:rPr lang="en-US" b="1" i="1" dirty="0">
-                <a:solidFill>
-                  <a:srgbClr val="FF0000"/>
-                </a:solidFill>
-              </a:rPr>
-              <a:t>monitor methods</a:t>
-            </a:r>
-            <a:r>
-              <a:rPr lang="en-US" dirty="0">
-                <a:solidFill>
-                  <a:schemeClr val="accent1"/>
-                </a:solidFill>
-              </a:rPr>
-              <a:t>”.</a:t>
-            </a:r>
-          </a:p>
-          <a:p>
-            <a:pPr marL="457200" lvl="1" indent="0">
-              <a:buNone/>
-            </a:pPr>
-            <a:endParaRPr lang="en-US" dirty="0">
-              <a:solidFill>
-                <a:schemeClr val="accent1"/>
-              </a:solidFill>
-            </a:endParaRPr>
-          </a:p>
-        </p:txBody>
-      </p:sp>
-    </p:spTree>
-    <p:extLst>
-      <p:ext uri="{BB962C8B-B14F-4D97-AF65-F5344CB8AC3E}">
-        <p14:creationId xmlns:p14="http://schemas.microsoft.com/office/powerpoint/2010/main" val="504056470"/>
-      </p:ext>
-    </p:extLst>
-  </p:cSld>
-  <p:clrMapOvr>
-    <a:masterClrMapping/>
-  </p:clrMapOvr>
-</p:sld>
-</file>
-
 <file path=ppt/slides/slide5.xml><?xml version="1.0" encoding="utf-8"?>
 <p:sld xmlns:a="http://schemas.openxmlformats.org/drawingml/2006/main" xmlns:r="http://schemas.openxmlformats.org/officeDocument/2006/relationships" xmlns:p="http://schemas.openxmlformats.org/presentationml/2006/main">
   <p:cSld>
@@ -16493,6 +16443,584 @@
           <p:cNvPr id="2" name="Title 1">
             <a:extLst>
               <a:ext uri="{FF2B5EF4-FFF2-40B4-BE49-F238E27FC236}">
+                <a16:creationId xmlns:a16="http://schemas.microsoft.com/office/drawing/2014/main" id="{F45995A7-61FC-4A00-8E05-D487FC90B851}"/>
+              </a:ext>
+            </a:extLst>
+          </p:cNvPr>
+          <p:cNvSpPr>
+            <a:spLocks noGrp="1"/>
+          </p:cNvSpPr>
+          <p:nvPr>
+            <p:ph type="title"/>
+          </p:nvPr>
+        </p:nvSpPr>
+        <p:spPr/>
+        <p:txBody>
+          <a:bodyPr/>
+          <a:lstStyle/>
+          <a:p>
+            <a:r>
+              <a:rPr lang="en-US" dirty="0">
+                <a:solidFill>
+                  <a:schemeClr val="accent1"/>
+                </a:solidFill>
+              </a:rPr>
+              <a:t>Semaphore: Bounded Buffer Problem</a:t>
+            </a:r>
+            <a:endParaRPr lang="en-US" dirty="0"/>
+          </a:p>
+        </p:txBody>
+      </p:sp>
+      <mc:AlternateContent xmlns:mc="http://schemas.openxmlformats.org/markup-compatibility/2006">
+        <mc:Choice xmlns:a14="http://schemas.microsoft.com/office/drawing/2010/main" Requires="a14">
+          <p:sp>
+            <p:nvSpPr>
+              <p:cNvPr id="3" name="Content Placeholder 2">
+                <a:extLst>
+                  <a:ext uri="{FF2B5EF4-FFF2-40B4-BE49-F238E27FC236}">
+                    <a16:creationId xmlns:a16="http://schemas.microsoft.com/office/drawing/2014/main" id="{79AF4BB0-658B-4458-8797-4D2B2BAEB6FD}"/>
+                  </a:ext>
+                </a:extLst>
+              </p:cNvPr>
+              <p:cNvSpPr>
+                <a:spLocks noGrp="1"/>
+              </p:cNvSpPr>
+              <p:nvPr>
+                <p:ph idx="1"/>
+              </p:nvPr>
+            </p:nvSpPr>
+            <p:spPr/>
+            <p:txBody>
+              <a:bodyPr/>
+              <a:lstStyle/>
+              <a:p>
+                <a:pPr marL="0" indent="0">
+                  <a:buNone/>
+                </a:pPr>
+                <a:r>
+                  <a:rPr lang="en-US" b="1" i="1" u="sng" dirty="0">
+                    <a:solidFill>
+                      <a:srgbClr val="FF0000"/>
+                    </a:solidFill>
+                  </a:rPr>
+                  <a:t>Observations</a:t>
+                </a:r>
+                <a:r>
+                  <a:rPr lang="en-US" b="1" i="1" dirty="0">
+                    <a:solidFill>
+                      <a:srgbClr val="FF0000"/>
+                    </a:solidFill>
+                  </a:rPr>
+                  <a:t>:</a:t>
+                </a:r>
+              </a:p>
+              <a:p>
+                <a:r>
+                  <a:rPr lang="en-US" dirty="0">
+                    <a:solidFill>
+                      <a:schemeClr val="accent1"/>
+                    </a:solidFill>
+                  </a:rPr>
+                  <a:t>We make use of semaphores in two different ways:</a:t>
+                </a:r>
+              </a:p>
+              <a:p>
+                <a:pPr lvl="1"/>
+                <a:r>
+                  <a:rPr lang="en-US" dirty="0">
+                    <a:solidFill>
+                      <a:schemeClr val="accent1"/>
+                    </a:solidFill>
+                  </a:rPr>
+                  <a:t>The </a:t>
+                </a:r>
+                <a14:m>
+                  <m:oMath xmlns:m="http://schemas.openxmlformats.org/officeDocument/2006/math">
+                    <m:r>
+                      <a:rPr lang="en-US" b="0" i="1" smtClean="0">
+                        <a:solidFill>
+                          <a:schemeClr val="tx1"/>
+                        </a:solidFill>
+                        <a:latin typeface="Cambria Math" panose="02040503050406030204" pitchFamily="18" charset="0"/>
+                      </a:rPr>
+                      <m:t>𝑚𝑢𝑡𝑒𝑥</m:t>
+                    </m:r>
+                  </m:oMath>
+                </a14:m>
+                <a:r>
+                  <a:rPr lang="en-US" dirty="0">
+                    <a:solidFill>
+                      <a:schemeClr val="accent1"/>
+                    </a:solidFill>
+                  </a:rPr>
+                  <a:t> semaphore is used for </a:t>
+                </a:r>
+                <a:r>
+                  <a:rPr lang="en-US" b="1" i="1" dirty="0">
+                    <a:solidFill>
+                      <a:srgbClr val="FF0000"/>
+                    </a:solidFill>
+                  </a:rPr>
+                  <a:t>mutual exclusion</a:t>
+                </a:r>
+                <a:r>
+                  <a:rPr lang="en-US" dirty="0">
+                    <a:solidFill>
+                      <a:schemeClr val="accent1"/>
+                    </a:solidFill>
+                  </a:rPr>
+                  <a:t>.</a:t>
+                </a:r>
+                <a:endParaRPr lang="en-US" b="1" i="1" dirty="0">
+                  <a:solidFill>
+                    <a:srgbClr val="FF0000"/>
+                  </a:solidFill>
+                </a:endParaRPr>
+              </a:p>
+              <a:p>
+                <a:pPr lvl="2"/>
+                <a:r>
+                  <a:rPr lang="en-US" dirty="0">
+                    <a:solidFill>
+                      <a:schemeClr val="accent1"/>
+                    </a:solidFill>
+                  </a:rPr>
+                  <a:t>It guarantees that at most one process at a time can access or modify the state of the buffer.</a:t>
+                </a:r>
+              </a:p>
+              <a:p>
+                <a:pPr marL="914400" lvl="2" indent="0">
+                  <a:buNone/>
+                </a:pPr>
+                <a:endParaRPr lang="en-US" dirty="0">
+                  <a:solidFill>
+                    <a:schemeClr val="accent1"/>
+                  </a:solidFill>
+                </a:endParaRPr>
+              </a:p>
+              <a:p>
+                <a:pPr lvl="1"/>
+                <a:r>
+                  <a:rPr lang="en-US" dirty="0">
+                    <a:solidFill>
+                      <a:schemeClr val="accent1"/>
+                    </a:solidFill>
+                  </a:rPr>
+                  <a:t>The counting semaphores </a:t>
+                </a:r>
+                <a14:m>
+                  <m:oMath xmlns:m="http://schemas.openxmlformats.org/officeDocument/2006/math">
+                    <m:r>
+                      <a:rPr lang="en-US" b="0" i="1" smtClean="0">
+                        <a:solidFill>
+                          <a:schemeClr val="tx1"/>
+                        </a:solidFill>
+                        <a:latin typeface="Cambria Math" panose="02040503050406030204" pitchFamily="18" charset="0"/>
+                      </a:rPr>
+                      <m:t>𝑓𝑢𝑙𝑙</m:t>
+                    </m:r>
+                  </m:oMath>
+                </a14:m>
+                <a:r>
+                  <a:rPr lang="en-US" dirty="0">
+                    <a:solidFill>
+                      <a:schemeClr val="accent1"/>
+                    </a:solidFill>
+                  </a:rPr>
+                  <a:t> and </a:t>
+                </a:r>
+                <a14:m>
+                  <m:oMath xmlns:m="http://schemas.openxmlformats.org/officeDocument/2006/math">
+                    <m:r>
+                      <a:rPr lang="en-US" i="1">
+                        <a:latin typeface="Cambria Math" panose="02040503050406030204" pitchFamily="18" charset="0"/>
+                      </a:rPr>
+                      <m:t>𝑒𝑚𝑝𝑡𝑦</m:t>
+                    </m:r>
+                  </m:oMath>
+                </a14:m>
+                <a:r>
+                  <a:rPr lang="en-US" dirty="0">
+                    <a:solidFill>
+                      <a:schemeClr val="accent1"/>
+                    </a:solidFill>
+                  </a:rPr>
+                  <a:t> are used for </a:t>
+                </a:r>
+                <a:r>
+                  <a:rPr lang="en-US" b="1" i="1" dirty="0">
+                    <a:solidFill>
+                      <a:srgbClr val="FF0000"/>
+                    </a:solidFill>
+                  </a:rPr>
+                  <a:t>synchronization</a:t>
+                </a:r>
+                <a:r>
+                  <a:rPr lang="en-US" dirty="0">
+                    <a:solidFill>
+                      <a:schemeClr val="accent1"/>
+                    </a:solidFill>
+                  </a:rPr>
+                  <a:t> by ensuring that certain event sequences do or do not occur. </a:t>
+                </a:r>
+              </a:p>
+              <a:p>
+                <a:pPr lvl="2"/>
+                <a:r>
+                  <a:rPr lang="en-US" dirty="0">
+                    <a:solidFill>
+                      <a:schemeClr val="accent1"/>
+                    </a:solidFill>
+                  </a:rPr>
+                  <a:t>It makes sure that the producer must wait when the buffer is full.</a:t>
+                </a:r>
+              </a:p>
+              <a:p>
+                <a:pPr lvl="2"/>
+                <a:r>
+                  <a:rPr lang="en-US" dirty="0">
+                    <a:solidFill>
+                      <a:schemeClr val="accent1"/>
+                    </a:solidFill>
+                  </a:rPr>
+                  <a:t>It makes sure that the consumer must wait when the buffer is empty.</a:t>
+                </a:r>
+              </a:p>
+              <a:p>
+                <a:pPr marL="457200" lvl="1" indent="0">
+                  <a:buNone/>
+                </a:pPr>
+                <a:endParaRPr lang="en-US" dirty="0">
+                  <a:solidFill>
+                    <a:schemeClr val="accent1"/>
+                  </a:solidFill>
+                </a:endParaRPr>
+              </a:p>
+              <a:p>
+                <a:pPr lvl="1"/>
+                <a:endParaRPr lang="en-US" dirty="0">
+                  <a:solidFill>
+                    <a:schemeClr val="accent1"/>
+                  </a:solidFill>
+                </a:endParaRPr>
+              </a:p>
+            </p:txBody>
+          </p:sp>
+        </mc:Choice>
+        <mc:Fallback>
+          <p:sp>
+            <p:nvSpPr>
+              <p:cNvPr id="3" name="Content Placeholder 2">
+                <a:extLst>
+                  <a:ext uri="{FF2B5EF4-FFF2-40B4-BE49-F238E27FC236}">
+                    <a16:creationId xmlns:a16="http://schemas.microsoft.com/office/drawing/2014/main" id="{79AF4BB0-658B-4458-8797-4D2B2BAEB6FD}"/>
+                  </a:ext>
+                </a:extLst>
+              </p:cNvPr>
+              <p:cNvSpPr>
+                <a:spLocks noGrp="1" noRot="1" noChangeAspect="1" noMove="1" noResize="1" noEditPoints="1" noAdjustHandles="1" noChangeArrowheads="1" noChangeShapeType="1" noTextEdit="1"/>
+              </p:cNvSpPr>
+              <p:nvPr>
+                <p:ph idx="1"/>
+              </p:nvPr>
+            </p:nvSpPr>
+            <p:spPr>
+              <a:blipFill>
+                <a:blip r:embed="rId2"/>
+                <a:stretch>
+                  <a:fillRect l="-1217" t="-2241"/>
+                </a:stretch>
+              </a:blipFill>
+            </p:spPr>
+            <p:txBody>
+              <a:bodyPr/>
+              <a:lstStyle/>
+              <a:p>
+                <a:r>
+                  <a:rPr lang="en-US">
+                    <a:noFill/>
+                  </a:rPr>
+                  <a:t> </a:t>
+                </a:r>
+              </a:p>
+            </p:txBody>
+          </p:sp>
+        </mc:Fallback>
+      </mc:AlternateContent>
+    </p:spTree>
+    <p:extLst>
+      <p:ext uri="{BB962C8B-B14F-4D97-AF65-F5344CB8AC3E}">
+        <p14:creationId xmlns:p14="http://schemas.microsoft.com/office/powerpoint/2010/main" val="3271120498"/>
+      </p:ext>
+    </p:extLst>
+  </p:cSld>
+  <p:clrMapOvr>
+    <a:masterClrMapping/>
+  </p:clrMapOvr>
+</p:sld>
+</file>
+
+<file path=ppt/slides/slide51.xml><?xml version="1.0" encoding="utf-8"?>
+<p:sld xmlns:a="http://schemas.openxmlformats.org/drawingml/2006/main" xmlns:r="http://schemas.openxmlformats.org/officeDocument/2006/relationships" xmlns:p="http://schemas.openxmlformats.org/presentationml/2006/main">
+  <p:cSld>
+    <p:spTree>
+      <p:nvGrpSpPr>
+        <p:cNvPr id="1" name=""/>
+        <p:cNvGrpSpPr/>
+        <p:nvPr/>
+      </p:nvGrpSpPr>
+      <p:grpSpPr>
+        <a:xfrm>
+          <a:off x="0" y="0"/>
+          <a:ext cx="0" cy="0"/>
+          <a:chOff x="0" y="0"/>
+          <a:chExt cx="0" cy="0"/>
+        </a:xfrm>
+      </p:grpSpPr>
+      <p:sp>
+        <p:nvSpPr>
+          <p:cNvPr id="2" name="Title 1">
+            <a:extLst>
+              <a:ext uri="{FF2B5EF4-FFF2-40B4-BE49-F238E27FC236}">
+                <a16:creationId xmlns:a16="http://schemas.microsoft.com/office/drawing/2014/main" id="{C9D7B12C-52E7-4334-B428-48AC89DAF630}"/>
+              </a:ext>
+            </a:extLst>
+          </p:cNvPr>
+          <p:cNvSpPr>
+            <a:spLocks noGrp="1"/>
+          </p:cNvSpPr>
+          <p:nvPr>
+            <p:ph type="title"/>
+          </p:nvPr>
+        </p:nvSpPr>
+        <p:spPr/>
+        <p:txBody>
+          <a:bodyPr/>
+          <a:lstStyle/>
+          <a:p>
+            <a:r>
+              <a:rPr lang="en-US" dirty="0">
+                <a:solidFill>
+                  <a:schemeClr val="accent1"/>
+                </a:solidFill>
+              </a:rPr>
+              <a:t>Monitor</a:t>
+            </a:r>
+          </a:p>
+        </p:txBody>
+      </p:sp>
+      <p:sp>
+        <p:nvSpPr>
+          <p:cNvPr id="3" name="Content Placeholder 2">
+            <a:extLst>
+              <a:ext uri="{FF2B5EF4-FFF2-40B4-BE49-F238E27FC236}">
+                <a16:creationId xmlns:a16="http://schemas.microsoft.com/office/drawing/2014/main" id="{2D516C28-FD8E-4592-AD43-A61C828847F3}"/>
+              </a:ext>
+            </a:extLst>
+          </p:cNvPr>
+          <p:cNvSpPr>
+            <a:spLocks noGrp="1"/>
+          </p:cNvSpPr>
+          <p:nvPr>
+            <p:ph idx="1"/>
+          </p:nvPr>
+        </p:nvSpPr>
+        <p:spPr/>
+        <p:txBody>
+          <a:bodyPr>
+            <a:normAutofit/>
+          </a:bodyPr>
+          <a:lstStyle/>
+          <a:p>
+            <a:pPr marL="0" indent="0">
+              <a:buNone/>
+            </a:pPr>
+            <a:r>
+              <a:rPr lang="en-US" dirty="0">
+                <a:solidFill>
+                  <a:schemeClr val="accent1"/>
+                </a:solidFill>
+              </a:rPr>
+              <a:t>A </a:t>
+            </a:r>
+            <a:r>
+              <a:rPr lang="en-US" b="1" i="1" dirty="0">
+                <a:solidFill>
+                  <a:srgbClr val="FF0000"/>
+                </a:solidFill>
+              </a:rPr>
+              <a:t>monitor</a:t>
+            </a:r>
+            <a:r>
+              <a:rPr lang="en-US" dirty="0">
+                <a:solidFill>
+                  <a:schemeClr val="accent1"/>
+                </a:solidFill>
+              </a:rPr>
+              <a:t> is a OOP-style construct that provides structured synchronized access to shared data:</a:t>
+            </a:r>
+          </a:p>
+          <a:p>
+            <a:pPr lvl="1"/>
+            <a:r>
+              <a:rPr lang="en-US" dirty="0">
+                <a:solidFill>
+                  <a:schemeClr val="accent1"/>
+                </a:solidFill>
+              </a:rPr>
+              <a:t>Encapsulates data to be shared between threads</a:t>
+            </a:r>
+          </a:p>
+          <a:p>
+            <a:pPr marL="457200" lvl="1" indent="0">
+              <a:buNone/>
+            </a:pPr>
+            <a:endParaRPr lang="en-US" dirty="0">
+              <a:solidFill>
+                <a:schemeClr val="accent1"/>
+              </a:solidFill>
+            </a:endParaRPr>
+          </a:p>
+          <a:p>
+            <a:pPr lvl="1"/>
+            <a:r>
+              <a:rPr lang="en-US" dirty="0">
+                <a:solidFill>
+                  <a:schemeClr val="accent1"/>
+                </a:solidFill>
+              </a:rPr>
+              <a:t>Provides methods for operating on those shared data in such a way that </a:t>
+            </a:r>
+            <a:r>
+              <a:rPr lang="en-US" b="1" i="1" dirty="0">
+                <a:solidFill>
+                  <a:srgbClr val="FF0000"/>
+                </a:solidFill>
+              </a:rPr>
+              <a:t>at most one thread </a:t>
+            </a:r>
+            <a:r>
+              <a:rPr lang="en-US" dirty="0">
+                <a:solidFill>
+                  <a:schemeClr val="accent1"/>
+                </a:solidFill>
+              </a:rPr>
+              <a:t>can call a method and be inside the monitor at a time – hence mutual exclusion </a:t>
+            </a:r>
+          </a:p>
+          <a:p>
+            <a:pPr lvl="2"/>
+            <a:r>
+              <a:rPr lang="en-US" dirty="0">
+                <a:solidFill>
+                  <a:schemeClr val="accent1"/>
+                </a:solidFill>
+              </a:rPr>
+              <a:t>Methods define </a:t>
+            </a:r>
+            <a:r>
+              <a:rPr lang="en-US" b="1" i="1" dirty="0">
+                <a:solidFill>
+                  <a:srgbClr val="FF0000"/>
+                </a:solidFill>
+              </a:rPr>
+              <a:t>critical sections</a:t>
+            </a:r>
+            <a:r>
+              <a:rPr lang="en-US" dirty="0">
+                <a:solidFill>
+                  <a:schemeClr val="accent1"/>
+                </a:solidFill>
+              </a:rPr>
+              <a:t>.</a:t>
+            </a:r>
+          </a:p>
+          <a:p>
+            <a:pPr marL="457200" lvl="1" indent="0">
+              <a:buNone/>
+            </a:pPr>
+            <a:endParaRPr lang="en-US" dirty="0">
+              <a:solidFill>
+                <a:schemeClr val="accent1"/>
+              </a:solidFill>
+            </a:endParaRPr>
+          </a:p>
+          <a:p>
+            <a:pPr marL="0" indent="0">
+              <a:buNone/>
+            </a:pPr>
+            <a:r>
+              <a:rPr lang="en-US" dirty="0">
+                <a:solidFill>
+                  <a:schemeClr val="accent1"/>
+                </a:solidFill>
+              </a:rPr>
+              <a:t>In effect, a monitor protects its shared data from unstructured accesses through their “</a:t>
+            </a:r>
+            <a:r>
+              <a:rPr lang="en-US" b="1" i="1" dirty="0">
+                <a:solidFill>
+                  <a:srgbClr val="FF0000"/>
+                </a:solidFill>
+              </a:rPr>
+              <a:t>monitor methods</a:t>
+            </a:r>
+            <a:r>
+              <a:rPr lang="en-US" dirty="0">
+                <a:solidFill>
+                  <a:schemeClr val="accent1"/>
+                </a:solidFill>
+              </a:rPr>
+              <a:t>”.</a:t>
+            </a:r>
+          </a:p>
+          <a:p>
+            <a:pPr marL="457200" lvl="1" indent="0">
+              <a:buNone/>
+            </a:pPr>
+            <a:endParaRPr lang="en-US" dirty="0">
+              <a:solidFill>
+                <a:schemeClr val="accent1"/>
+              </a:solidFill>
+            </a:endParaRPr>
+          </a:p>
+        </p:txBody>
+      </p:sp>
+    </p:spTree>
+    <p:extLst>
+      <p:ext uri="{BB962C8B-B14F-4D97-AF65-F5344CB8AC3E}">
+        <p14:creationId xmlns:p14="http://schemas.microsoft.com/office/powerpoint/2010/main" val="504056470"/>
+      </p:ext>
+    </p:extLst>
+  </p:cSld>
+  <p:clrMapOvr>
+    <a:masterClrMapping/>
+  </p:clrMapOvr>
+</p:sld>
+</file>
+
+<file path=ppt/slides/slide52.xml><?xml version="1.0" encoding="utf-8"?>
+<p:sld xmlns:a="http://schemas.openxmlformats.org/drawingml/2006/main" xmlns:r="http://schemas.openxmlformats.org/officeDocument/2006/relationships" xmlns:p="http://schemas.openxmlformats.org/presentationml/2006/main">
+  <p:cSld>
+    <p:spTree>
+      <p:nvGrpSpPr>
+        <p:cNvPr id="1" name=""/>
+        <p:cNvGrpSpPr/>
+        <p:nvPr/>
+      </p:nvGrpSpPr>
+      <p:grpSpPr>
+        <a:xfrm>
+          <a:off x="0" y="0"/>
+          <a:ext cx="0" cy="0"/>
+          <a:chOff x="0" y="0"/>
+          <a:chExt cx="0" cy="0"/>
+        </a:xfrm>
+      </p:grpSpPr>
+      <p:sp>
+        <p:nvSpPr>
+          <p:cNvPr id="2" name="Title 1">
+            <a:extLst>
+              <a:ext uri="{FF2B5EF4-FFF2-40B4-BE49-F238E27FC236}">
                 <a16:creationId xmlns:a16="http://schemas.microsoft.com/office/drawing/2014/main" id="{C9D7B12C-52E7-4334-B428-48AC89DAF630}"/>
               </a:ext>
             </a:extLst>
@@ -16726,7 +17254,7 @@
 </p:sld>
 </file>
 
-<file path=ppt/slides/slide51.xml><?xml version="1.0" encoding="utf-8"?>
+<file path=ppt/slides/slide53.xml><?xml version="1.0" encoding="utf-8"?>
 <p:sld xmlns:a="http://schemas.openxmlformats.org/drawingml/2006/main" xmlns:r="http://schemas.openxmlformats.org/officeDocument/2006/relationships" xmlns:p="http://schemas.openxmlformats.org/presentationml/2006/main">
   <p:cSld>
     <p:spTree>
@@ -17142,7 +17670,7 @@
 </p:sld>
 </file>
 
-<file path=ppt/slides/slide52.xml><?xml version="1.0" encoding="utf-8"?>
+<file path=ppt/slides/slide54.xml><?xml version="1.0" encoding="utf-8"?>
 <p:sld xmlns:a="http://schemas.openxmlformats.org/drawingml/2006/main" xmlns:r="http://schemas.openxmlformats.org/officeDocument/2006/relationships" xmlns:p="http://schemas.openxmlformats.org/presentationml/2006/main">
   <p:cSld>
     <p:spTree>
@@ -17263,7 +17791,7 @@
 </p:sld>
 </file>
 
-<file path=ppt/slides/slide53.xml><?xml version="1.0" encoding="utf-8"?>
+<file path=ppt/slides/slide55.xml><?xml version="1.0" encoding="utf-8"?>
 <p:sld xmlns:a="http://schemas.openxmlformats.org/drawingml/2006/main" xmlns:r="http://schemas.openxmlformats.org/officeDocument/2006/relationships" xmlns:p="http://schemas.openxmlformats.org/presentationml/2006/main">
   <p:cSld>
     <p:spTree>
@@ -17648,7 +18176,7 @@
 </p:sld>
 </file>
 
-<file path=ppt/slides/slide54.xml><?xml version="1.0" encoding="utf-8"?>
+<file path=ppt/slides/slide56.xml><?xml version="1.0" encoding="utf-8"?>
 <p:sld xmlns:a="http://schemas.openxmlformats.org/drawingml/2006/main" xmlns:r="http://schemas.openxmlformats.org/officeDocument/2006/relationships" xmlns:p="http://schemas.openxmlformats.org/presentationml/2006/main">
   <p:cSld>
     <p:spTree>
@@ -18030,7 +18558,7 @@
 </p:sld>
 </file>
 
-<file path=ppt/slides/slide55.xml><?xml version="1.0" encoding="utf-8"?>
+<file path=ppt/slides/slide57.xml><?xml version="1.0" encoding="utf-8"?>
 <p:sld xmlns:a="http://schemas.openxmlformats.org/drawingml/2006/main" xmlns:r="http://schemas.openxmlformats.org/officeDocument/2006/relationships" xmlns:p="http://schemas.openxmlformats.org/presentationml/2006/main">
   <p:cSld>
     <p:spTree>
@@ -18123,7 +18651,7 @@
 </p:sld>
 </file>
 
-<file path=ppt/slides/slide56.xml><?xml version="1.0" encoding="utf-8"?>
+<file path=ppt/slides/slide58.xml><?xml version="1.0" encoding="utf-8"?>
 <p:sld xmlns:a="http://schemas.openxmlformats.org/drawingml/2006/main" xmlns:r="http://schemas.openxmlformats.org/officeDocument/2006/relationships" xmlns:p="http://schemas.openxmlformats.org/presentationml/2006/main">
   <p:cSld>
     <p:spTree>
@@ -18215,7 +18743,7 @@
 </p:sld>
 </file>
 
-<file path=ppt/slides/slide57.xml><?xml version="1.0" encoding="utf-8"?>
+<file path=ppt/slides/slide59.xml><?xml version="1.0" encoding="utf-8"?>
 <p:sld xmlns:a="http://schemas.openxmlformats.org/drawingml/2006/main" xmlns:r="http://schemas.openxmlformats.org/officeDocument/2006/relationships" xmlns:p="http://schemas.openxmlformats.org/presentationml/2006/main">
   <p:cSld>
     <p:spTree>

--- a/Slides/Lecture 3.pptx
+++ b/Slides/Lecture 3.pptx
@@ -9300,8 +9300,8 @@
           </a:p>
         </p:txBody>
       </p:sp>
-      <mc:AlternateContent xmlns:mc="http://schemas.openxmlformats.org/markup-compatibility/2006">
-        <mc:Choice xmlns:a14="http://schemas.microsoft.com/office/drawing/2010/main" Requires="a14">
+      <mc:AlternateContent xmlns:mc="http://schemas.openxmlformats.org/markup-compatibility/2006" xmlns:a14="http://schemas.microsoft.com/office/drawing/2010/main">
+        <mc:Choice Requires="a14">
           <p:sp>
             <p:nvSpPr>
               <p:cNvPr id="3" name="Content Placeholder 2">
@@ -9495,7 +9495,7 @@
             </p:txBody>
           </p:sp>
         </mc:Choice>
-        <mc:Fallback>
+        <mc:Fallback xmlns="">
           <p:sp>
             <p:nvSpPr>
               <p:cNvPr id="3" name="Content Placeholder 2">
@@ -10861,8 +10861,8 @@
           </a:p>
         </p:txBody>
       </p:sp>
-      <mc:AlternateContent xmlns:mc="http://schemas.openxmlformats.org/markup-compatibility/2006" xmlns:a14="http://schemas.microsoft.com/office/drawing/2010/main">
-        <mc:Choice Requires="a14">
+      <mc:AlternateContent xmlns:mc="http://schemas.openxmlformats.org/markup-compatibility/2006">
+        <mc:Choice xmlns:a14="http://schemas.microsoft.com/office/drawing/2010/main" Requires="a14">
           <p:sp>
             <p:nvSpPr>
               <p:cNvPr id="3" name="Content Placeholder 2">
@@ -10923,6 +10923,16 @@
                 </a:r>
               </a:p>
               <a:p>
+                <a:pPr marL="0" indent="0">
+                  <a:buNone/>
+                </a:pPr>
+                <a:endParaRPr lang="en-US" sz="2400" dirty="0">
+                  <a:solidFill>
+                    <a:schemeClr val="accent1"/>
+                  </a:solidFill>
+                </a:endParaRPr>
+              </a:p>
+              <a:p>
                 <a:pPr lvl="1"/>
                 <a:r>
                   <a:rPr lang="en-US" sz="2000" dirty="0">
@@ -10994,7 +11004,7 @@
             </p:txBody>
           </p:sp>
         </mc:Choice>
-        <mc:Fallback xmlns="">
+        <mc:Fallback>
           <p:sp>
             <p:nvSpPr>
               <p:cNvPr id="3" name="Content Placeholder 2">
@@ -11038,36 +11048,6 @@
           </p:sp>
         </mc:Fallback>
       </mc:AlternateContent>
-      <p:pic>
-        <p:nvPicPr>
-          <p:cNvPr id="5" name="Picture 4">
-            <a:extLst>
-              <a:ext uri="{FF2B5EF4-FFF2-40B4-BE49-F238E27FC236}">
-                <a16:creationId xmlns:a16="http://schemas.microsoft.com/office/drawing/2014/main" id="{023F8C9F-0FFB-4914-995B-59AA7B7D3ADD}"/>
-              </a:ext>
-            </a:extLst>
-          </p:cNvPr>
-          <p:cNvPicPr>
-            <a:picLocks noChangeAspect="1"/>
-          </p:cNvPicPr>
-          <p:nvPr/>
-        </p:nvPicPr>
-        <p:blipFill>
-          <a:blip r:embed="rId2"/>
-          <a:stretch>
-            <a:fillRect/>
-          </a:stretch>
-        </p:blipFill>
-        <p:spPr>
-          <a:xfrm>
-            <a:off x="3317081" y="3908437"/>
-            <a:ext cx="5557837" cy="2511413"/>
-          </a:xfrm>
-          <a:prstGeom prst="rect">
-            <a:avLst/>
-          </a:prstGeom>
-        </p:spPr>
-      </p:pic>
     </p:spTree>
     <p:extLst>
       <p:ext uri="{BB962C8B-B14F-4D97-AF65-F5344CB8AC3E}">
@@ -11543,8 +11523,8 @@
           </a:p>
         </p:txBody>
       </p:sp>
-      <mc:AlternateContent xmlns:mc="http://schemas.openxmlformats.org/markup-compatibility/2006">
-        <mc:Choice xmlns:a14="http://schemas.microsoft.com/office/drawing/2010/main" Requires="a14">
+      <mc:AlternateContent xmlns:mc="http://schemas.openxmlformats.org/markup-compatibility/2006" xmlns:a14="http://schemas.microsoft.com/office/drawing/2010/main">
+        <mc:Choice Requires="a14">
           <p:sp>
             <p:nvSpPr>
               <p:cNvPr id="3" name="Content Placeholder 2">
@@ -11925,7 +11905,7 @@
             </p:txBody>
           </p:sp>
         </mc:Choice>
-        <mc:Fallback>
+        <mc:Fallback xmlns="">
           <p:sp>
             <p:nvSpPr>
               <p:cNvPr id="3" name="Content Placeholder 2">
@@ -12120,8 +12100,8 @@
           </a:p>
         </p:txBody>
       </p:sp>
-      <mc:AlternateContent xmlns:mc="http://schemas.openxmlformats.org/markup-compatibility/2006">
-        <mc:Choice xmlns:a14="http://schemas.microsoft.com/office/drawing/2010/main" Requires="a14">
+      <mc:AlternateContent xmlns:mc="http://schemas.openxmlformats.org/markup-compatibility/2006" xmlns:a14="http://schemas.microsoft.com/office/drawing/2010/main">
+        <mc:Choice Requires="a14">
           <p:sp>
             <p:nvSpPr>
               <p:cNvPr id="3" name="Content Placeholder 2">
@@ -12426,7 +12406,7 @@
             </p:txBody>
           </p:sp>
         </mc:Choice>
-        <mc:Fallback>
+        <mc:Fallback xmlns="">
           <p:sp>
             <p:nvSpPr>
               <p:cNvPr id="3" name="Content Placeholder 2">
@@ -12738,8 +12718,8 @@
           </a:p>
         </p:txBody>
       </p:sp>
-      <mc:AlternateContent xmlns:mc="http://schemas.openxmlformats.org/markup-compatibility/2006">
-        <mc:Choice xmlns:a14="http://schemas.microsoft.com/office/drawing/2010/main" Requires="a14">
+      <mc:AlternateContent xmlns:mc="http://schemas.openxmlformats.org/markup-compatibility/2006" xmlns:a14="http://schemas.microsoft.com/office/drawing/2010/main">
+        <mc:Choice Requires="a14">
           <p:sp>
             <p:nvSpPr>
               <p:cNvPr id="3" name="Content Placeholder 2">
@@ -13211,7 +13191,7 @@
             </p:txBody>
           </p:sp>
         </mc:Choice>
-        <mc:Fallback>
+        <mc:Fallback xmlns="">
           <p:sp>
             <p:nvSpPr>
               <p:cNvPr id="3" name="Content Placeholder 2">
@@ -16471,8 +16451,8 @@
           </a:p>
         </p:txBody>
       </p:sp>
-      <mc:AlternateContent xmlns:mc="http://schemas.openxmlformats.org/markup-compatibility/2006">
-        <mc:Choice xmlns:a14="http://schemas.microsoft.com/office/drawing/2010/main" Requires="a14">
+      <mc:AlternateContent xmlns:mc="http://schemas.openxmlformats.org/markup-compatibility/2006" xmlns:a14="http://schemas.microsoft.com/office/drawing/2010/main">
+        <mc:Choice Requires="a14">
           <p:sp>
             <p:nvSpPr>
               <p:cNvPr id="3" name="Content Placeholder 2">
@@ -16707,7 +16687,7 @@
             </p:txBody>
           </p:sp>
         </mc:Choice>
-        <mc:Fallback>
+        <mc:Fallback xmlns="">
           <p:sp>
             <p:nvSpPr>
               <p:cNvPr id="3" name="Content Placeholder 2">
@@ -17304,8 +17284,8 @@
           </a:p>
         </p:txBody>
       </p:sp>
-      <mc:AlternateContent xmlns:mc="http://schemas.openxmlformats.org/markup-compatibility/2006">
-        <mc:Choice xmlns:a14="http://schemas.microsoft.com/office/drawing/2010/main" Requires="a14">
+      <mc:AlternateContent xmlns:mc="http://schemas.openxmlformats.org/markup-compatibility/2006" xmlns:a14="http://schemas.microsoft.com/office/drawing/2010/main">
+        <mc:Choice Requires="a14">
           <p:sp>
             <p:nvSpPr>
               <p:cNvPr id="3" name="Content Placeholder 2">
@@ -17617,7 +17597,7 @@
             </p:txBody>
           </p:sp>
         </mc:Choice>
-        <mc:Fallback>
+        <mc:Fallback xmlns="">
           <p:sp>
             <p:nvSpPr>
               <p:cNvPr id="3" name="Content Placeholder 2">
@@ -17841,8 +17821,8 @@
           </a:p>
         </p:txBody>
       </p:sp>
-      <mc:AlternateContent xmlns:mc="http://schemas.openxmlformats.org/markup-compatibility/2006">
-        <mc:Choice xmlns:a14="http://schemas.microsoft.com/office/drawing/2010/main" Requires="a14">
+      <mc:AlternateContent xmlns:mc="http://schemas.openxmlformats.org/markup-compatibility/2006" xmlns:a14="http://schemas.microsoft.com/office/drawing/2010/main">
+        <mc:Choice Requires="a14">
           <p:sp>
             <p:nvSpPr>
               <p:cNvPr id="3" name="Content Placeholder 2">
@@ -18123,7 +18103,7 @@
             </p:txBody>
           </p:sp>
         </mc:Choice>
-        <mc:Fallback>
+        <mc:Fallback xmlns="">
           <p:sp>
             <p:nvSpPr>
               <p:cNvPr id="3" name="Content Placeholder 2">
@@ -18226,8 +18206,8 @@
           </a:p>
         </p:txBody>
       </p:sp>
-      <mc:AlternateContent xmlns:mc="http://schemas.openxmlformats.org/markup-compatibility/2006">
-        <mc:Choice xmlns:a14="http://schemas.microsoft.com/office/drawing/2010/main" Requires="a14">
+      <mc:AlternateContent xmlns:mc="http://schemas.openxmlformats.org/markup-compatibility/2006" xmlns:a14="http://schemas.microsoft.com/office/drawing/2010/main">
+        <mc:Choice Requires="a14">
           <p:sp>
             <p:nvSpPr>
               <p:cNvPr id="3" name="Content Placeholder 2">
@@ -18505,7 +18485,7 @@
             </p:txBody>
           </p:sp>
         </mc:Choice>
-        <mc:Fallback>
+        <mc:Fallback xmlns="">
           <p:sp>
             <p:nvSpPr>
               <p:cNvPr id="3" name="Content Placeholder 2">

--- a/Slides/Lecture 3.pptx
+++ b/Slides/Lecture 3.pptx
@@ -10861,8 +10861,8 @@
           </a:p>
         </p:txBody>
       </p:sp>
-      <mc:AlternateContent xmlns:mc="http://schemas.openxmlformats.org/markup-compatibility/2006">
-        <mc:Choice xmlns:a14="http://schemas.microsoft.com/office/drawing/2010/main" Requires="a14">
+      <mc:AlternateContent xmlns:mc="http://schemas.openxmlformats.org/markup-compatibility/2006" xmlns:a14="http://schemas.microsoft.com/office/drawing/2010/main">
+        <mc:Choice Requires="a14">
           <p:sp>
             <p:nvSpPr>
               <p:cNvPr id="3" name="Content Placeholder 2">
@@ -11004,7 +11004,7 @@
             </p:txBody>
           </p:sp>
         </mc:Choice>
-        <mc:Fallback>
+        <mc:Fallback xmlns="">
           <p:sp>
             <p:nvSpPr>
               <p:cNvPr id="3" name="Content Placeholder 2">
@@ -14909,8 +14909,8 @@
           </a:p>
         </p:txBody>
       </p:sp>
-      <mc:AlternateContent xmlns:mc="http://schemas.openxmlformats.org/markup-compatibility/2006" xmlns:a14="http://schemas.microsoft.com/office/drawing/2010/main">
-        <mc:Choice Requires="a14">
+      <mc:AlternateContent xmlns:mc="http://schemas.openxmlformats.org/markup-compatibility/2006">
+        <mc:Choice xmlns:a14="http://schemas.microsoft.com/office/drawing/2010/main" Requires="a14">
           <p:sp>
             <p:nvSpPr>
               <p:cNvPr id="3" name="Content Placeholder 2">
@@ -14930,7 +14930,7 @@
             <p:spPr/>
             <p:txBody>
               <a:bodyPr>
-                <a:normAutofit fontScale="85000" lnSpcReduction="20000"/>
+                <a:normAutofit fontScale="77500" lnSpcReduction="20000"/>
               </a:bodyPr>
               <a:lstStyle/>
               <a:p>
@@ -15318,7 +15318,66 @@
                       <a:schemeClr val="accent1"/>
                     </a:solidFill>
                   </a:rPr>
-                  <a:t> individually whereas readers.</a:t>
+                  <a:t> individually whereas if one reader acquires </a:t>
+                </a:r>
+                <a14:m>
+                  <m:oMath xmlns:m="http://schemas.openxmlformats.org/officeDocument/2006/math">
+                    <m:r>
+                      <a:rPr lang="en-US" i="1" dirty="0">
+                        <a:latin typeface="Cambria Math" panose="02040503050406030204" pitchFamily="18" charset="0"/>
+                      </a:rPr>
+                      <m:t>𝑠𝑖𝑔𝑛𝑎𝑙</m:t>
+                    </m:r>
+                    <m:d>
+                      <m:dPr>
+                        <m:ctrlPr>
+                          <a:rPr lang="en-US" i="1">
+                            <a:latin typeface="Cambria Math" panose="02040503050406030204" pitchFamily="18" charset="0"/>
+                          </a:rPr>
+                        </m:ctrlPr>
+                      </m:dPr>
+                      <m:e>
+                        <m:r>
+                          <a:rPr lang="en-US" i="1">
+                            <a:latin typeface="Cambria Math" panose="02040503050406030204" pitchFamily="18" charset="0"/>
+                          </a:rPr>
+                          <m:t>𝑤</m:t>
+                        </m:r>
+                        <m:r>
+                          <a:rPr lang="en-US" i="1">
+                            <a:latin typeface="Cambria Math" panose="02040503050406030204" pitchFamily="18" charset="0"/>
+                          </a:rPr>
+                          <m:t>_</m:t>
+                        </m:r>
+                        <m:r>
+                          <a:rPr lang="en-US" i="1">
+                            <a:latin typeface="Cambria Math" panose="02040503050406030204" pitchFamily="18" charset="0"/>
+                          </a:rPr>
+                          <m:t>𝑜𝑟</m:t>
+                        </m:r>
+                        <m:r>
+                          <a:rPr lang="en-US" i="1">
+                            <a:latin typeface="Cambria Math" panose="02040503050406030204" pitchFamily="18" charset="0"/>
+                          </a:rPr>
+                          <m:t>_</m:t>
+                        </m:r>
+                        <m:r>
+                          <a:rPr lang="en-US" i="1">
+                            <a:latin typeface="Cambria Math" panose="02040503050406030204" pitchFamily="18" charset="0"/>
+                          </a:rPr>
+                          <m:t>𝑟</m:t>
+                        </m:r>
+                      </m:e>
+                    </m:d>
+                  </m:oMath>
+                </a14:m>
+                <a:r>
+                  <a:rPr lang="en-US" dirty="0">
+                    <a:solidFill>
+                      <a:schemeClr val="accent1"/>
+                    </a:solidFill>
+                  </a:rPr>
+                  <a:t>, all readers will fall through.</a:t>
                 </a:r>
               </a:p>
               <a:p>
@@ -15369,7 +15428,7 @@
             </p:txBody>
           </p:sp>
         </mc:Choice>
-        <mc:Fallback xmlns="">
+        <mc:Fallback>
           <p:sp>
             <p:nvSpPr>
               <p:cNvPr id="3" name="Content Placeholder 2">
@@ -15390,7 +15449,7 @@
               <a:blipFill>
                 <a:blip r:embed="rId2"/>
                 <a:stretch>
-                  <a:fillRect l="-928" t="-3221"/>
+                  <a:fillRect l="-754" t="-2801"/>
                 </a:stretch>
               </a:blipFill>
             </p:spPr>

--- a/Slides/Lecture 3.pptx
+++ b/Slides/Lecture 3.pptx
@@ -13911,8 +13911,8 @@
           </a:p>
         </p:txBody>
       </p:sp>
-      <mc:AlternateContent xmlns:mc="http://schemas.openxmlformats.org/markup-compatibility/2006" xmlns:a14="http://schemas.microsoft.com/office/drawing/2010/main">
-        <mc:Choice Requires="a14">
+      <mc:AlternateContent xmlns:mc="http://schemas.openxmlformats.org/markup-compatibility/2006">
+        <mc:Choice xmlns:a14="http://schemas.microsoft.com/office/drawing/2010/main" Requires="a14">
           <p:sp>
             <p:nvSpPr>
               <p:cNvPr id="3" name="Content Placeholder 2">
@@ -14075,81 +14075,10 @@
                   <a:t> operation at any moment.</a:t>
                 </a:r>
               </a:p>
-              <a:p>
-                <a:pPr lvl="3"/>
-                <a:r>
-                  <a:rPr lang="en-US" dirty="0">
-                    <a:solidFill>
-                      <a:schemeClr val="accent1"/>
-                    </a:solidFill>
-                  </a:rPr>
-                  <a:t>The initial value of the semaphore </a:t>
-                </a:r>
-                <a14:m>
-                  <m:oMath xmlns:m="http://schemas.openxmlformats.org/officeDocument/2006/math">
-                    <m:r>
-                      <a:rPr lang="en-US" b="0" i="1" smtClean="0">
-                        <a:solidFill>
-                          <a:schemeClr val="tx1"/>
-                        </a:solidFill>
-                        <a:latin typeface="Cambria Math" panose="02040503050406030204" pitchFamily="18" charset="0"/>
-                      </a:rPr>
-                      <m:t>𝑛</m:t>
-                    </m:r>
-                  </m:oMath>
-                </a14:m>
-                <a:r>
-                  <a:rPr lang="en-US" dirty="0">
-                    <a:solidFill>
-                      <a:schemeClr val="accent1"/>
-                    </a:solidFill>
-                  </a:rPr>
-                  <a:t> determines the maximum number of threads that can execute past a </a:t>
-                </a:r>
-                <a14:m>
-                  <m:oMath xmlns:m="http://schemas.openxmlformats.org/officeDocument/2006/math">
-                    <m:r>
-                      <a:rPr lang="en-US" i="1">
-                        <a:latin typeface="Cambria Math" panose="02040503050406030204" pitchFamily="18" charset="0"/>
-                      </a:rPr>
-                      <m:t>𝑤𝑎𝑖𝑡</m:t>
-                    </m:r>
-                    <m:r>
-                      <a:rPr lang="en-US">
-                        <a:latin typeface="Cambria Math" panose="02040503050406030204" pitchFamily="18" charset="0"/>
-                      </a:rPr>
-                      <m:t>(</m:t>
-                    </m:r>
-                    <m:r>
-                      <m:rPr>
-                        <m:sty m:val="p"/>
-                      </m:rPr>
-                      <a:rPr lang="en-US">
-                        <a:latin typeface="Cambria Math" panose="02040503050406030204" pitchFamily="18" charset="0"/>
-                      </a:rPr>
-                      <m:t>s</m:t>
-                    </m:r>
-                    <m:r>
-                      <a:rPr lang="en-US">
-                        <a:latin typeface="Cambria Math" panose="02040503050406030204" pitchFamily="18" charset="0"/>
-                      </a:rPr>
-                      <m:t>)</m:t>
-                    </m:r>
-                  </m:oMath>
-                </a14:m>
-                <a:r>
-                  <a:rPr lang="en-US" dirty="0">
-                    <a:solidFill>
-                      <a:schemeClr val="accent1"/>
-                    </a:solidFill>
-                  </a:rPr>
-                  <a:t> operation. </a:t>
-                </a:r>
-              </a:p>
             </p:txBody>
           </p:sp>
         </mc:Choice>
-        <mc:Fallback xmlns="">
+        <mc:Fallback>
           <p:sp>
             <p:nvSpPr>
               <p:cNvPr id="3" name="Content Placeholder 2">
@@ -14344,8 +14273,8 @@
           </a:p>
         </p:txBody>
       </p:sp>
-      <mc:AlternateContent xmlns:mc="http://schemas.openxmlformats.org/markup-compatibility/2006" xmlns:a14="http://schemas.microsoft.com/office/drawing/2010/main">
-        <mc:Choice Requires="a14">
+      <mc:AlternateContent xmlns:mc="http://schemas.openxmlformats.org/markup-compatibility/2006">
+        <mc:Choice xmlns:a14="http://schemas.microsoft.com/office/drawing/2010/main" Requires="a14">
           <p:sp>
             <p:nvSpPr>
               <p:cNvPr id="3" name="Content Placeholder 2">
@@ -14365,7 +14294,7 @@
             <p:spPr/>
             <p:txBody>
               <a:bodyPr>
-                <a:normAutofit fontScale="85000" lnSpcReduction="20000"/>
+                <a:normAutofit fontScale="77500" lnSpcReduction="20000"/>
               </a:bodyPr>
               <a:lstStyle/>
               <a:p>
@@ -14700,7 +14629,7 @@
                 </a:r>
               </a:p>
               <a:p>
-                <a:pPr lvl="3"/>
+                <a:pPr lvl="2"/>
                 <a:r>
                   <a:rPr lang="en-US" dirty="0">
                     <a:solidFill>
@@ -14713,7 +14642,7 @@
             </p:txBody>
           </p:sp>
         </mc:Choice>
-        <mc:Fallback xmlns="">
+        <mc:Fallback>
           <p:sp>
             <p:nvSpPr>
               <p:cNvPr id="3" name="Content Placeholder 2">
@@ -14734,7 +14663,7 @@
               <a:blipFill>
                 <a:blip r:embed="rId2"/>
                 <a:stretch>
-                  <a:fillRect l="-928" t="-3221" b="-1541"/>
+                  <a:fillRect l="-754" t="-2801"/>
                 </a:stretch>
               </a:blipFill>
             </p:spPr>
@@ -14909,8 +14838,8 @@
           </a:p>
         </p:txBody>
       </p:sp>
-      <mc:AlternateContent xmlns:mc="http://schemas.openxmlformats.org/markup-compatibility/2006">
-        <mc:Choice xmlns:a14="http://schemas.microsoft.com/office/drawing/2010/main" Requires="a14">
+      <mc:AlternateContent xmlns:mc="http://schemas.openxmlformats.org/markup-compatibility/2006" xmlns:a14="http://schemas.microsoft.com/office/drawing/2010/main">
+        <mc:Choice Requires="a14">
           <p:sp>
             <p:nvSpPr>
               <p:cNvPr id="3" name="Content Placeholder 2">
@@ -15428,7 +15357,7 @@
             </p:txBody>
           </p:sp>
         </mc:Choice>
-        <mc:Fallback>
+        <mc:Fallback xmlns="">
           <p:sp>
             <p:nvSpPr>
               <p:cNvPr id="3" name="Content Placeholder 2">

--- a/Slides/Lecture 3.pptx
+++ b/Slides/Lecture 3.pptx
@@ -267,7 +267,7 @@
           <a:p>
             <a:fld id="{1CB48AD5-CDAE-4B7B-B49D-6DB81FF5A179}" type="datetimeFigureOut">
               <a:rPr lang="en-US" smtClean="0"/>
-              <a:t>1/29/2021</a:t>
+              <a:t>1/30/2021</a:t>
             </a:fld>
             <a:endParaRPr lang="en-US"/>
           </a:p>
@@ -681,7 +681,7 @@
           <a:p>
             <a:fld id="{C4959B56-7D6D-462F-B061-93C9E323EE8A}" type="datetimeFigureOut">
               <a:rPr lang="en-US" smtClean="0"/>
-              <a:t>1/29/2021</a:t>
+              <a:t>1/30/2021</a:t>
             </a:fld>
             <a:endParaRPr lang="en-US"/>
           </a:p>
@@ -879,7 +879,7 @@
           <a:p>
             <a:fld id="{C4959B56-7D6D-462F-B061-93C9E323EE8A}" type="datetimeFigureOut">
               <a:rPr lang="en-US" smtClean="0"/>
-              <a:t>1/29/2021</a:t>
+              <a:t>1/30/2021</a:t>
             </a:fld>
             <a:endParaRPr lang="en-US"/>
           </a:p>
@@ -1087,7 +1087,7 @@
           <a:p>
             <a:fld id="{C4959B56-7D6D-462F-B061-93C9E323EE8A}" type="datetimeFigureOut">
               <a:rPr lang="en-US" smtClean="0"/>
-              <a:t>1/29/2021</a:t>
+              <a:t>1/30/2021</a:t>
             </a:fld>
             <a:endParaRPr lang="en-US"/>
           </a:p>
@@ -1285,7 +1285,7 @@
           <a:p>
             <a:fld id="{C4959B56-7D6D-462F-B061-93C9E323EE8A}" type="datetimeFigureOut">
               <a:rPr lang="en-US" smtClean="0"/>
-              <a:t>1/29/2021</a:t>
+              <a:t>1/30/2021</a:t>
             </a:fld>
             <a:endParaRPr lang="en-US"/>
           </a:p>
@@ -1560,7 +1560,7 @@
           <a:p>
             <a:fld id="{C4959B56-7D6D-462F-B061-93C9E323EE8A}" type="datetimeFigureOut">
               <a:rPr lang="en-US" smtClean="0"/>
-              <a:t>1/29/2021</a:t>
+              <a:t>1/30/2021</a:t>
             </a:fld>
             <a:endParaRPr lang="en-US"/>
           </a:p>
@@ -1825,7 +1825,7 @@
           <a:p>
             <a:fld id="{C4959B56-7D6D-462F-B061-93C9E323EE8A}" type="datetimeFigureOut">
               <a:rPr lang="en-US" smtClean="0"/>
-              <a:t>1/29/2021</a:t>
+              <a:t>1/30/2021</a:t>
             </a:fld>
             <a:endParaRPr lang="en-US"/>
           </a:p>
@@ -2237,7 +2237,7 @@
           <a:p>
             <a:fld id="{C4959B56-7D6D-462F-B061-93C9E323EE8A}" type="datetimeFigureOut">
               <a:rPr lang="en-US" smtClean="0"/>
-              <a:t>1/29/2021</a:t>
+              <a:t>1/30/2021</a:t>
             </a:fld>
             <a:endParaRPr lang="en-US"/>
           </a:p>
@@ -2378,7 +2378,7 @@
           <a:p>
             <a:fld id="{C4959B56-7D6D-462F-B061-93C9E323EE8A}" type="datetimeFigureOut">
               <a:rPr lang="en-US" smtClean="0"/>
-              <a:t>1/29/2021</a:t>
+              <a:t>1/30/2021</a:t>
             </a:fld>
             <a:endParaRPr lang="en-US"/>
           </a:p>
@@ -2491,7 +2491,7 @@
           <a:p>
             <a:fld id="{C4959B56-7D6D-462F-B061-93C9E323EE8A}" type="datetimeFigureOut">
               <a:rPr lang="en-US" smtClean="0"/>
-              <a:t>1/29/2021</a:t>
+              <a:t>1/30/2021</a:t>
             </a:fld>
             <a:endParaRPr lang="en-US"/>
           </a:p>
@@ -2802,7 +2802,7 @@
           <a:p>
             <a:fld id="{C4959B56-7D6D-462F-B061-93C9E323EE8A}" type="datetimeFigureOut">
               <a:rPr lang="en-US" smtClean="0"/>
-              <a:t>1/29/2021</a:t>
+              <a:t>1/30/2021</a:t>
             </a:fld>
             <a:endParaRPr lang="en-US"/>
           </a:p>
@@ -3090,7 +3090,7 @@
           <a:p>
             <a:fld id="{C4959B56-7D6D-462F-B061-93C9E323EE8A}" type="datetimeFigureOut">
               <a:rPr lang="en-US" smtClean="0"/>
-              <a:t>1/29/2021</a:t>
+              <a:t>1/30/2021</a:t>
             </a:fld>
             <a:endParaRPr lang="en-US"/>
           </a:p>
@@ -3331,7 +3331,7 @@
           <a:p>
             <a:fld id="{C4959B56-7D6D-462F-B061-93C9E323EE8A}" type="datetimeFigureOut">
               <a:rPr lang="en-US" smtClean="0"/>
-              <a:t>1/29/2021</a:t>
+              <a:t>1/30/2021</a:t>
             </a:fld>
             <a:endParaRPr lang="en-US"/>
           </a:p>
@@ -6772,8 +6772,8 @@
           </a:p>
         </p:txBody>
       </p:sp>
-      <mc:AlternateContent xmlns:mc="http://schemas.openxmlformats.org/markup-compatibility/2006" xmlns:a14="http://schemas.microsoft.com/office/drawing/2010/main">
-        <mc:Choice Requires="a14">
+      <mc:AlternateContent xmlns:mc="http://schemas.openxmlformats.org/markup-compatibility/2006">
+        <mc:Choice xmlns:a14="http://schemas.microsoft.com/office/drawing/2010/main" Requires="a14">
           <p:sp>
             <p:nvSpPr>
               <p:cNvPr id="3" name="Content Placeholder 2">
@@ -6944,7 +6944,7 @@
                       <a:schemeClr val="accent1"/>
                     </a:solidFill>
                   </a:rPr>
-                  <a:t>are queuing their a file for printing</a:t>
+                  <a:t>are queuing file for printing</a:t>
                 </a:r>
                 <a:r>
                   <a:rPr lang="en-US" dirty="0">
@@ -7579,7 +7579,7 @@
             </p:txBody>
           </p:sp>
         </mc:Choice>
-        <mc:Fallback xmlns="">
+        <mc:Fallback>
           <p:sp>
             <p:nvSpPr>
               <p:cNvPr id="3" name="Content Placeholder 2">
@@ -13911,8 +13911,8 @@
           </a:p>
         </p:txBody>
       </p:sp>
-      <mc:AlternateContent xmlns:mc="http://schemas.openxmlformats.org/markup-compatibility/2006">
-        <mc:Choice xmlns:a14="http://schemas.microsoft.com/office/drawing/2010/main" Requires="a14">
+      <mc:AlternateContent xmlns:mc="http://schemas.openxmlformats.org/markup-compatibility/2006" xmlns:a14="http://schemas.microsoft.com/office/drawing/2010/main">
+        <mc:Choice Requires="a14">
           <p:sp>
             <p:nvSpPr>
               <p:cNvPr id="3" name="Content Placeholder 2">
@@ -14078,7 +14078,7 @@
             </p:txBody>
           </p:sp>
         </mc:Choice>
-        <mc:Fallback>
+        <mc:Fallback xmlns="">
           <p:sp>
             <p:nvSpPr>
               <p:cNvPr id="3" name="Content Placeholder 2">
@@ -14273,8 +14273,8 @@
           </a:p>
         </p:txBody>
       </p:sp>
-      <mc:AlternateContent xmlns:mc="http://schemas.openxmlformats.org/markup-compatibility/2006">
-        <mc:Choice xmlns:a14="http://schemas.microsoft.com/office/drawing/2010/main" Requires="a14">
+      <mc:AlternateContent xmlns:mc="http://schemas.openxmlformats.org/markup-compatibility/2006" xmlns:a14="http://schemas.microsoft.com/office/drawing/2010/main">
+        <mc:Choice Requires="a14">
           <p:sp>
             <p:nvSpPr>
               <p:cNvPr id="3" name="Content Placeholder 2">
@@ -14642,7 +14642,7 @@
             </p:txBody>
           </p:sp>
         </mc:Choice>
-        <mc:Fallback>
+        <mc:Fallback xmlns="">
           <p:sp>
             <p:nvSpPr>
               <p:cNvPr id="3" name="Content Placeholder 2">

--- a/Slides/Lecture 3.pptx
+++ b/Slides/Lecture 3.pptx
@@ -5356,7 +5356,7 @@
                   <a:schemeClr val="accent1"/>
                 </a:solidFill>
               </a:rPr>
-              <a:t>It is difficult to share information among a multiprocess application even through the processes were created through the </a:t>
+              <a:t>It is difficult to share information among a multiprocess application  even though the processes were created through the </a:t>
             </a:r>
             <a:r>
               <a:rPr lang="en-US" b="1" i="1" dirty="0">
@@ -8480,8 +8480,8 @@
           </a:p>
         </p:txBody>
       </p:sp>
-      <mc:AlternateContent xmlns:mc="http://schemas.openxmlformats.org/markup-compatibility/2006" xmlns:a14="http://schemas.microsoft.com/office/drawing/2010/main">
-        <mc:Choice Requires="a14">
+      <mc:AlternateContent xmlns:mc="http://schemas.openxmlformats.org/markup-compatibility/2006">
+        <mc:Choice xmlns:a14="http://schemas.microsoft.com/office/drawing/2010/main" Requires="a14">
           <p:sp>
             <p:nvSpPr>
               <p:cNvPr id="7" name="Content Placeholder 6">
@@ -8540,7 +8540,7 @@
                       <a:schemeClr val="accent1"/>
                     </a:solidFill>
                   </a:rPr>
-                  <a:t>Modern computers are multi-core processors so they have an instruction like:</a:t>
+                  <a:t>Modern computers are multi-core processors that come with an instruction like:</a:t>
                 </a:r>
               </a:p>
               <a:p>
@@ -8783,7 +8783,7 @@
             </p:txBody>
           </p:sp>
         </mc:Choice>
-        <mc:Fallback xmlns="">
+        <mc:Fallback>
           <p:sp>
             <p:nvSpPr>
               <p:cNvPr id="7" name="Content Placeholder 6">
@@ -9300,8 +9300,8 @@
           </a:p>
         </p:txBody>
       </p:sp>
-      <mc:AlternateContent xmlns:mc="http://schemas.openxmlformats.org/markup-compatibility/2006" xmlns:a14="http://schemas.microsoft.com/office/drawing/2010/main">
-        <mc:Choice Requires="a14">
+      <mc:AlternateContent xmlns:mc="http://schemas.openxmlformats.org/markup-compatibility/2006">
+        <mc:Choice xmlns:a14="http://schemas.microsoft.com/office/drawing/2010/main" Requires="a14">
           <p:sp>
             <p:nvSpPr>
               <p:cNvPr id="3" name="Content Placeholder 2">
@@ -9436,7 +9436,7 @@
                       <a:schemeClr val="accent1"/>
                     </a:solidFill>
                   </a:rPr>
-                  <a:t>This </a:t>
+                  <a:t>The write </a:t>
                 </a:r>
                 <a:r>
                   <a:rPr lang="en-US" b="1" i="1" dirty="0">
@@ -9468,7 +9468,7 @@
                       <a:schemeClr val="accent1"/>
                     </a:solidFill>
                   </a:rPr>
-                  <a:t>of the lock on other CPU cores.</a:t>
+                  <a:t>of the lock cached on other CPU cores.</a:t>
                 </a:r>
               </a:p>
               <a:p>
@@ -9489,13 +9489,13 @@
                       <a:schemeClr val="accent1"/>
                     </a:solidFill>
                   </a:rPr>
-                  <a:t>Therefore, if multiple threads are simultaneously spinning on the same lock, the cache coherence protocol will generate many invalidation messages. </a:t>
+                  <a:t>Therefore, if multiple threads are simultaneously spinning on the same lock, the cache coherence protocol will generate a large number of cache invalidation messages. </a:t>
                 </a:r>
               </a:p>
             </p:txBody>
           </p:sp>
         </mc:Choice>
-        <mc:Fallback xmlns="">
+        <mc:Fallback>
           <p:sp>
             <p:nvSpPr>
               <p:cNvPr id="3" name="Content Placeholder 2">
@@ -9878,7 +9878,7 @@
               <a:t>This issue can be mitigated by using the </a:t>
             </a:r>
             <a:r>
-              <a:rPr lang="en-US" b="1" i="1">
+              <a:rPr lang="en-US" b="1" i="1" dirty="0">
                 <a:solidFill>
                   <a:srgbClr val="FF0000"/>
                 </a:solidFill>
@@ -9886,40 +9886,12 @@
               <a:t>Test-and-Test-and-Set </a:t>
             </a:r>
             <a:r>
-              <a:rPr lang="en-US">
-                <a:solidFill>
-                  <a:schemeClr val="accent1"/>
-                </a:solidFill>
-              </a:rPr>
-              <a:t>technique.</a:t>
-            </a:r>
-            <a:endParaRPr lang="en-US" dirty="0">
-              <a:solidFill>
-                <a:schemeClr val="accent1"/>
-              </a:solidFill>
-            </a:endParaRPr>
-          </a:p>
-          <a:p>
-            <a:pPr marL="0" indent="0">
-              <a:buNone/>
-            </a:pPr>
-            <a:endParaRPr lang="en-US" dirty="0">
-              <a:solidFill>
-                <a:schemeClr val="accent1"/>
-              </a:solidFill>
-            </a:endParaRPr>
-          </a:p>
-          <a:p>
-            <a:pPr marL="0" indent="0">
-              <a:buNone/>
-            </a:pPr>
-            <a:r>
-              <a:rPr lang="en-US" dirty="0">
-                <a:solidFill>
-                  <a:schemeClr val="accent1"/>
-                </a:solidFill>
-              </a:rPr>
-              <a:t>This techniques relies on the fact that </a:t>
+              <a:rPr lang="en-US" dirty="0">
+                <a:solidFill>
+                  <a:schemeClr val="accent1"/>
+                </a:solidFill>
+              </a:rPr>
+              <a:t>technique, which relies on the fact that </a:t>
             </a:r>
             <a:r>
               <a:rPr lang="en-US" b="1" i="1" dirty="0">
@@ -10002,7 +9974,7 @@
         </p:blipFill>
         <p:spPr>
           <a:xfrm>
-            <a:off x="4295776" y="4404071"/>
+            <a:off x="4248151" y="3429000"/>
             <a:ext cx="3464718" cy="1907829"/>
           </a:xfrm>
           <a:prstGeom prst="rect">

--- a/Slides/Lecture 3.pptx
+++ b/Slides/Lecture 3.pptx
@@ -10422,7 +10422,7 @@
         <p:spPr/>
         <p:txBody>
           <a:bodyPr>
-            <a:normAutofit fontScale="85000" lnSpcReduction="20000"/>
+            <a:normAutofit fontScale="77500" lnSpcReduction="20000"/>
           </a:bodyPr>
           <a:lstStyle/>
           <a:p>
@@ -10473,7 +10473,7 @@
                   <a:schemeClr val="accent1"/>
                 </a:solidFill>
               </a:rPr>
-              <a:t>Sleep and Wake up means yielding the CPU and context-switching to a new process or thread incurs a relatively high overhead:</a:t>
+              <a:t>Sleep and Wake up, which means yielding the CPU and context-switching to a new process or thread, incurs a relatively high overhead for the following reasons:</a:t>
             </a:r>
           </a:p>
           <a:p>

--- a/Slides/Lecture 3.pptx
+++ b/Slides/Lecture 3.pptx
@@ -5,7 +5,7 @@
     <p:sldMasterId id="2147483648" r:id="rId1"/>
   </p:sldMasterIdLst>
   <p:notesMasterIdLst>
-    <p:notesMasterId r:id="rId61"/>
+    <p:notesMasterId r:id="rId62"/>
   </p:notesMasterIdLst>
   <p:sldIdLst>
     <p:sldId id="256" r:id="rId2"/>
@@ -67,6 +67,7 @@
     <p:sldId id="357" r:id="rId58"/>
     <p:sldId id="356" r:id="rId59"/>
     <p:sldId id="354" r:id="rId60"/>
+    <p:sldId id="363" r:id="rId61"/>
   </p:sldIdLst>
   <p:sldSz cx="12192000" cy="6858000"/>
   <p:notesSz cx="6858000" cy="9144000"/>
@@ -267,7 +268,7 @@
           <a:p>
             <a:fld id="{1CB48AD5-CDAE-4B7B-B49D-6DB81FF5A179}" type="datetimeFigureOut">
               <a:rPr lang="en-US" smtClean="0"/>
-              <a:t>1/30/2021</a:t>
+              <a:t>2/16/2021</a:t>
             </a:fld>
             <a:endParaRPr lang="en-US"/>
           </a:p>
@@ -681,7 +682,7 @@
           <a:p>
             <a:fld id="{C4959B56-7D6D-462F-B061-93C9E323EE8A}" type="datetimeFigureOut">
               <a:rPr lang="en-US" smtClean="0"/>
-              <a:t>1/30/2021</a:t>
+              <a:t>2/16/2021</a:t>
             </a:fld>
             <a:endParaRPr lang="en-US"/>
           </a:p>
@@ -879,7 +880,7 @@
           <a:p>
             <a:fld id="{C4959B56-7D6D-462F-B061-93C9E323EE8A}" type="datetimeFigureOut">
               <a:rPr lang="en-US" smtClean="0"/>
-              <a:t>1/30/2021</a:t>
+              <a:t>2/16/2021</a:t>
             </a:fld>
             <a:endParaRPr lang="en-US"/>
           </a:p>
@@ -1087,7 +1088,7 @@
           <a:p>
             <a:fld id="{C4959B56-7D6D-462F-B061-93C9E323EE8A}" type="datetimeFigureOut">
               <a:rPr lang="en-US" smtClean="0"/>
-              <a:t>1/30/2021</a:t>
+              <a:t>2/16/2021</a:t>
             </a:fld>
             <a:endParaRPr lang="en-US"/>
           </a:p>
@@ -1285,7 +1286,7 @@
           <a:p>
             <a:fld id="{C4959B56-7D6D-462F-B061-93C9E323EE8A}" type="datetimeFigureOut">
               <a:rPr lang="en-US" smtClean="0"/>
-              <a:t>1/30/2021</a:t>
+              <a:t>2/16/2021</a:t>
             </a:fld>
             <a:endParaRPr lang="en-US"/>
           </a:p>
@@ -1560,7 +1561,7 @@
           <a:p>
             <a:fld id="{C4959B56-7D6D-462F-B061-93C9E323EE8A}" type="datetimeFigureOut">
               <a:rPr lang="en-US" smtClean="0"/>
-              <a:t>1/30/2021</a:t>
+              <a:t>2/16/2021</a:t>
             </a:fld>
             <a:endParaRPr lang="en-US"/>
           </a:p>
@@ -1825,7 +1826,7 @@
           <a:p>
             <a:fld id="{C4959B56-7D6D-462F-B061-93C9E323EE8A}" type="datetimeFigureOut">
               <a:rPr lang="en-US" smtClean="0"/>
-              <a:t>1/30/2021</a:t>
+              <a:t>2/16/2021</a:t>
             </a:fld>
             <a:endParaRPr lang="en-US"/>
           </a:p>
@@ -2237,7 +2238,7 @@
           <a:p>
             <a:fld id="{C4959B56-7D6D-462F-B061-93C9E323EE8A}" type="datetimeFigureOut">
               <a:rPr lang="en-US" smtClean="0"/>
-              <a:t>1/30/2021</a:t>
+              <a:t>2/16/2021</a:t>
             </a:fld>
             <a:endParaRPr lang="en-US"/>
           </a:p>
@@ -2378,7 +2379,7 @@
           <a:p>
             <a:fld id="{C4959B56-7D6D-462F-B061-93C9E323EE8A}" type="datetimeFigureOut">
               <a:rPr lang="en-US" smtClean="0"/>
-              <a:t>1/30/2021</a:t>
+              <a:t>2/16/2021</a:t>
             </a:fld>
             <a:endParaRPr lang="en-US"/>
           </a:p>
@@ -2491,7 +2492,7 @@
           <a:p>
             <a:fld id="{C4959B56-7D6D-462F-B061-93C9E323EE8A}" type="datetimeFigureOut">
               <a:rPr lang="en-US" smtClean="0"/>
-              <a:t>1/30/2021</a:t>
+              <a:t>2/16/2021</a:t>
             </a:fld>
             <a:endParaRPr lang="en-US"/>
           </a:p>
@@ -2802,7 +2803,7 @@
           <a:p>
             <a:fld id="{C4959B56-7D6D-462F-B061-93C9E323EE8A}" type="datetimeFigureOut">
               <a:rPr lang="en-US" smtClean="0"/>
-              <a:t>1/30/2021</a:t>
+              <a:t>2/16/2021</a:t>
             </a:fld>
             <a:endParaRPr lang="en-US"/>
           </a:p>
@@ -3090,7 +3091,7 @@
           <a:p>
             <a:fld id="{C4959B56-7D6D-462F-B061-93C9E323EE8A}" type="datetimeFigureOut">
               <a:rPr lang="en-US" smtClean="0"/>
-              <a:t>1/30/2021</a:t>
+              <a:t>2/16/2021</a:t>
             </a:fld>
             <a:endParaRPr lang="en-US"/>
           </a:p>
@@ -3331,7 +3332,7 @@
           <a:p>
             <a:fld id="{C4959B56-7D6D-462F-B061-93C9E323EE8A}" type="datetimeFigureOut">
               <a:rPr lang="en-US" smtClean="0"/>
-              <a:t>1/30/2021</a:t>
+              <a:t>2/16/2021</a:t>
             </a:fld>
             <a:endParaRPr lang="en-US"/>
           </a:p>
@@ -6772,8 +6773,8 @@
           </a:p>
         </p:txBody>
       </p:sp>
-      <mc:AlternateContent xmlns:mc="http://schemas.openxmlformats.org/markup-compatibility/2006">
-        <mc:Choice xmlns:a14="http://schemas.microsoft.com/office/drawing/2010/main" Requires="a14">
+      <mc:AlternateContent xmlns:mc="http://schemas.openxmlformats.org/markup-compatibility/2006" xmlns:a14="http://schemas.microsoft.com/office/drawing/2010/main">
+        <mc:Choice Requires="a14">
           <p:sp>
             <p:nvSpPr>
               <p:cNvPr id="3" name="Content Placeholder 2">
@@ -7579,7 +7580,7 @@
             </p:txBody>
           </p:sp>
         </mc:Choice>
-        <mc:Fallback>
+        <mc:Fallback xmlns="">
           <p:sp>
             <p:nvSpPr>
               <p:cNvPr id="3" name="Content Placeholder 2">
@@ -8480,8 +8481,8 @@
           </a:p>
         </p:txBody>
       </p:sp>
-      <mc:AlternateContent xmlns:mc="http://schemas.openxmlformats.org/markup-compatibility/2006">
-        <mc:Choice xmlns:a14="http://schemas.microsoft.com/office/drawing/2010/main" Requires="a14">
+      <mc:AlternateContent xmlns:mc="http://schemas.openxmlformats.org/markup-compatibility/2006" xmlns:a14="http://schemas.microsoft.com/office/drawing/2010/main">
+        <mc:Choice Requires="a14">
           <p:sp>
             <p:nvSpPr>
               <p:cNvPr id="7" name="Content Placeholder 6">
@@ -8783,7 +8784,7 @@
             </p:txBody>
           </p:sp>
         </mc:Choice>
-        <mc:Fallback>
+        <mc:Fallback xmlns="">
           <p:sp>
             <p:nvSpPr>
               <p:cNvPr id="7" name="Content Placeholder 6">
@@ -9300,8 +9301,8 @@
           </a:p>
         </p:txBody>
       </p:sp>
-      <mc:AlternateContent xmlns:mc="http://schemas.openxmlformats.org/markup-compatibility/2006">
-        <mc:Choice xmlns:a14="http://schemas.microsoft.com/office/drawing/2010/main" Requires="a14">
+      <mc:AlternateContent xmlns:mc="http://schemas.openxmlformats.org/markup-compatibility/2006" xmlns:a14="http://schemas.microsoft.com/office/drawing/2010/main">
+        <mc:Choice Requires="a14">
           <p:sp>
             <p:nvSpPr>
               <p:cNvPr id="3" name="Content Placeholder 2">
@@ -9495,7 +9496,7 @@
             </p:txBody>
           </p:sp>
         </mc:Choice>
-        <mc:Fallback>
+        <mc:Fallback xmlns="">
           <p:sp>
             <p:nvSpPr>
               <p:cNvPr id="3" name="Content Placeholder 2">
@@ -12740,7 +12741,7 @@
                       <a:schemeClr val="accent1"/>
                     </a:solidFill>
                   </a:rPr>
-                  <a:t> is a synchronization primitive that can be used an </a:t>
+                  <a:t> is a synchronization primitive that can be used as an </a:t>
                 </a:r>
                 <a:r>
                   <a:rPr lang="en-US" b="1" i="1" dirty="0">
@@ -19199,6 +19200,183 @@
     <p:extLst>
       <p:ext uri="{BB962C8B-B14F-4D97-AF65-F5344CB8AC3E}">
         <p14:creationId xmlns:p14="http://schemas.microsoft.com/office/powerpoint/2010/main" val="413352223"/>
+      </p:ext>
+    </p:extLst>
+  </p:cSld>
+  <p:clrMapOvr>
+    <a:masterClrMapping/>
+  </p:clrMapOvr>
+</p:sld>
+</file>
+
+<file path=ppt/slides/slide60.xml><?xml version="1.0" encoding="utf-8"?>
+<p:sld xmlns:a="http://schemas.openxmlformats.org/drawingml/2006/main" xmlns:r="http://schemas.openxmlformats.org/officeDocument/2006/relationships" xmlns:p="http://schemas.openxmlformats.org/presentationml/2006/main">
+  <p:cSld>
+    <p:spTree>
+      <p:nvGrpSpPr>
+        <p:cNvPr id="1" name=""/>
+        <p:cNvGrpSpPr/>
+        <p:nvPr/>
+      </p:nvGrpSpPr>
+      <p:grpSpPr>
+        <a:xfrm>
+          <a:off x="0" y="0"/>
+          <a:ext cx="0" cy="0"/>
+          <a:chOff x="0" y="0"/>
+          <a:chExt cx="0" cy="0"/>
+        </a:xfrm>
+      </p:grpSpPr>
+      <p:sp>
+        <p:nvSpPr>
+          <p:cNvPr id="2" name="Title 1">
+            <a:extLst>
+              <a:ext uri="{FF2B5EF4-FFF2-40B4-BE49-F238E27FC236}">
+                <a16:creationId xmlns:a16="http://schemas.microsoft.com/office/drawing/2014/main" id="{53C25516-AA7C-427D-AB88-498AB2B4F097}"/>
+              </a:ext>
+            </a:extLst>
+          </p:cNvPr>
+          <p:cNvSpPr>
+            <a:spLocks noGrp="1"/>
+          </p:cNvSpPr>
+          <p:nvPr>
+            <p:ph type="title"/>
+          </p:nvPr>
+        </p:nvSpPr>
+        <p:spPr/>
+        <p:txBody>
+          <a:bodyPr/>
+          <a:lstStyle/>
+          <a:p>
+            <a:r>
+              <a:rPr lang="en-US" dirty="0">
+                <a:solidFill>
+                  <a:schemeClr val="accent1"/>
+                </a:solidFill>
+              </a:rPr>
+              <a:t>References</a:t>
+            </a:r>
+          </a:p>
+        </p:txBody>
+      </p:sp>
+      <p:sp>
+        <p:nvSpPr>
+          <p:cNvPr id="3" name="Content Placeholder 2">
+            <a:extLst>
+              <a:ext uri="{FF2B5EF4-FFF2-40B4-BE49-F238E27FC236}">
+                <a16:creationId xmlns:a16="http://schemas.microsoft.com/office/drawing/2014/main" id="{CE8E4133-1B8B-4CF1-BF95-72C802F40C33}"/>
+              </a:ext>
+            </a:extLst>
+          </p:cNvPr>
+          <p:cNvSpPr>
+            <a:spLocks noGrp="1"/>
+          </p:cNvSpPr>
+          <p:nvPr>
+            <p:ph idx="1"/>
+          </p:nvPr>
+        </p:nvSpPr>
+        <p:spPr/>
+        <p:txBody>
+          <a:bodyPr/>
+          <a:lstStyle/>
+          <a:p>
+            <a:pPr marL="0" indent="0">
+              <a:buNone/>
+            </a:pPr>
+            <a:r>
+              <a:rPr lang="en-US" b="1" dirty="0">
+                <a:solidFill>
+                  <a:srgbClr val="FF0000"/>
+                </a:solidFill>
+                <a:effectLst/>
+              </a:rPr>
+              <a:t>[1] </a:t>
+            </a:r>
+            <a:r>
+              <a:rPr lang="en-US" b="0" dirty="0">
+                <a:solidFill>
+                  <a:schemeClr val="accent1"/>
+                </a:solidFill>
+                <a:effectLst/>
+              </a:rPr>
+              <a:t>Andrew S. Tanenbaum and Herbert Bos. 2014. Modern Operating Systems (4th. ed.). Prentice Hall Press, USA.</a:t>
+            </a:r>
+          </a:p>
+          <a:p>
+            <a:pPr marL="0" indent="0">
+              <a:buNone/>
+            </a:pPr>
+            <a:endParaRPr lang="en-US" dirty="0">
+              <a:solidFill>
+                <a:schemeClr val="accent1"/>
+              </a:solidFill>
+            </a:endParaRPr>
+          </a:p>
+          <a:p>
+            <a:pPr marL="0" indent="0">
+              <a:buNone/>
+            </a:pPr>
+            <a:r>
+              <a:rPr lang="en-US" b="1" dirty="0">
+                <a:solidFill>
+                  <a:srgbClr val="FF0000"/>
+                </a:solidFill>
+              </a:rPr>
+              <a:t>[2] </a:t>
+            </a:r>
+            <a:r>
+              <a:rPr lang="en-US" b="0" dirty="0">
+                <a:solidFill>
+                  <a:schemeClr val="accent1"/>
+                </a:solidFill>
+                <a:effectLst/>
+              </a:rPr>
+              <a:t>Michael </a:t>
+            </a:r>
+            <a:r>
+              <a:rPr lang="en-US" b="0" dirty="0" err="1">
+                <a:solidFill>
+                  <a:schemeClr val="accent1"/>
+                </a:solidFill>
+                <a:effectLst/>
+              </a:rPr>
+              <a:t>Kerrisk</a:t>
+            </a:r>
+            <a:r>
+              <a:rPr lang="en-US" b="0" dirty="0">
+                <a:solidFill>
+                  <a:schemeClr val="accent1"/>
+                </a:solidFill>
+                <a:effectLst/>
+              </a:rPr>
+              <a:t>. 2010. The Linux Programming Interface: A Linux and UNIX System Programming Handbook (1st. ed.). No Starch Press, USA.</a:t>
+            </a:r>
+          </a:p>
+          <a:p>
+            <a:pPr marL="0" indent="0">
+              <a:buNone/>
+            </a:pPr>
+            <a:endParaRPr lang="en-US" dirty="0">
+              <a:solidFill>
+                <a:schemeClr val="accent1"/>
+              </a:solidFill>
+            </a:endParaRPr>
+          </a:p>
+          <a:p>
+            <a:pPr marL="0" indent="0">
+              <a:buNone/>
+            </a:pPr>
+            <a:endParaRPr lang="en-US" dirty="0">
+              <a:solidFill>
+                <a:schemeClr val="accent1"/>
+              </a:solidFill>
+            </a:endParaRPr>
+          </a:p>
+        </p:txBody>
+      </p:sp>
+    </p:spTree>
+    <p:extLst>
+      <p:ext uri="{BB962C8B-B14F-4D97-AF65-F5344CB8AC3E}">
+        <p14:creationId xmlns:p14="http://schemas.microsoft.com/office/powerpoint/2010/main" val="2214320400"/>
       </p:ext>
     </p:extLst>
   </p:cSld>
